--- a/What Hacker Do In Their Daily Task/PowerPoint.pptx
+++ b/What Hacker Do In Their Daily Task/PowerPoint.pptx
@@ -7,13 +7,15 @@
   <p:sldIdLst>
     <p:sldId id="256" r:id="rId2"/>
     <p:sldId id="260" r:id="rId3"/>
-    <p:sldId id="261" r:id="rId4"/>
-    <p:sldId id="266" r:id="rId5"/>
-    <p:sldId id="264" r:id="rId6"/>
-    <p:sldId id="262" r:id="rId7"/>
-    <p:sldId id="257" r:id="rId8"/>
-    <p:sldId id="259" r:id="rId9"/>
-    <p:sldId id="258" r:id="rId10"/>
+    <p:sldId id="268" r:id="rId4"/>
+    <p:sldId id="270" r:id="rId5"/>
+    <p:sldId id="267" r:id="rId6"/>
+    <p:sldId id="266" r:id="rId7"/>
+    <p:sldId id="264" r:id="rId8"/>
+    <p:sldId id="262" r:id="rId9"/>
+    <p:sldId id="257" r:id="rId10"/>
+    <p:sldId id="259" r:id="rId11"/>
+    <p:sldId id="258" r:id="rId12"/>
   </p:sldIdLst>
   <p:sldSz cx="12192000" cy="6858000"/>
   <p:notesSz cx="6858000" cy="9144000"/>
@@ -271,7 +273,7 @@
           <a:p>
             <a:fld id="{78D5F2A6-235C-4FDE-80DE-EAE49DBB97FA}" type="datetimeFigureOut">
               <a:rPr lang="en-US" smtClean="0"/>
-              <a:t>12/1/2020</a:t>
+              <a:t>12/3/2020</a:t>
             </a:fld>
             <a:endParaRPr lang="en-US"/>
           </a:p>
@@ -482,7 +484,7 @@
           <a:p>
             <a:fld id="{78D5F2A6-235C-4FDE-80DE-EAE49DBB97FA}" type="datetimeFigureOut">
               <a:rPr lang="en-US" smtClean="0"/>
-              <a:t>12/1/2020</a:t>
+              <a:t>12/3/2020</a:t>
             </a:fld>
             <a:endParaRPr lang="en-US"/>
           </a:p>
@@ -697,7 +699,7 @@
           <a:p>
             <a:fld id="{78D5F2A6-235C-4FDE-80DE-EAE49DBB97FA}" type="datetimeFigureOut">
               <a:rPr lang="en-US" smtClean="0"/>
-              <a:t>12/1/2020</a:t>
+              <a:t>12/3/2020</a:t>
             </a:fld>
             <a:endParaRPr lang="en-US"/>
           </a:p>
@@ -898,7 +900,7 @@
           <a:p>
             <a:fld id="{78D5F2A6-235C-4FDE-80DE-EAE49DBB97FA}" type="datetimeFigureOut">
               <a:rPr lang="en-US" smtClean="0"/>
-              <a:t>12/1/2020</a:t>
+              <a:t>12/3/2020</a:t>
             </a:fld>
             <a:endParaRPr lang="en-US"/>
           </a:p>
@@ -1177,7 +1179,7 @@
           <a:p>
             <a:fld id="{78D5F2A6-235C-4FDE-80DE-EAE49DBB97FA}" type="datetimeFigureOut">
               <a:rPr lang="en-US" smtClean="0"/>
-              <a:t>12/1/2020</a:t>
+              <a:t>12/3/2020</a:t>
             </a:fld>
             <a:endParaRPr lang="en-US"/>
           </a:p>
@@ -1445,7 +1447,7 @@
           <a:p>
             <a:fld id="{78D5F2A6-235C-4FDE-80DE-EAE49DBB97FA}" type="datetimeFigureOut">
               <a:rPr lang="en-US" smtClean="0"/>
-              <a:t>12/1/2020</a:t>
+              <a:t>12/3/2020</a:t>
             </a:fld>
             <a:endParaRPr lang="en-US"/>
           </a:p>
@@ -1861,7 +1863,7 @@
           <a:p>
             <a:fld id="{78D5F2A6-235C-4FDE-80DE-EAE49DBB97FA}" type="datetimeFigureOut">
               <a:rPr lang="en-US" smtClean="0"/>
-              <a:t>12/1/2020</a:t>
+              <a:t>12/3/2020</a:t>
             </a:fld>
             <a:endParaRPr lang="en-US"/>
           </a:p>
@@ -2010,7 +2012,7 @@
           <a:p>
             <a:fld id="{78D5F2A6-235C-4FDE-80DE-EAE49DBB97FA}" type="datetimeFigureOut">
               <a:rPr lang="en-US" smtClean="0"/>
-              <a:t>12/1/2020</a:t>
+              <a:t>12/3/2020</a:t>
             </a:fld>
             <a:endParaRPr lang="en-US"/>
           </a:p>
@@ -2136,7 +2138,7 @@
           <a:p>
             <a:fld id="{78D5F2A6-235C-4FDE-80DE-EAE49DBB97FA}" type="datetimeFigureOut">
               <a:rPr lang="en-US" smtClean="0"/>
-              <a:t>12/1/2020</a:t>
+              <a:t>12/3/2020</a:t>
             </a:fld>
             <a:endParaRPr lang="en-US"/>
           </a:p>
@@ -2387,7 +2389,7 @@
           <a:p>
             <a:fld id="{78D5F2A6-235C-4FDE-80DE-EAE49DBB97FA}" type="datetimeFigureOut">
               <a:rPr lang="en-US" smtClean="0"/>
-              <a:t>12/1/2020</a:t>
+              <a:t>12/3/2020</a:t>
             </a:fld>
             <a:endParaRPr lang="en-US"/>
           </a:p>
@@ -2832,7 +2834,7 @@
           <a:p>
             <a:fld id="{78D5F2A6-235C-4FDE-80DE-EAE49DBB97FA}" type="datetimeFigureOut">
               <a:rPr lang="en-US" smtClean="0"/>
-              <a:t>12/1/2020</a:t>
+              <a:t>12/3/2020</a:t>
             </a:fld>
             <a:endParaRPr lang="en-US"/>
           </a:p>
@@ -3159,7 +3161,7 @@
           <a:p>
             <a:fld id="{78D5F2A6-235C-4FDE-80DE-EAE49DBB97FA}" type="datetimeFigureOut">
               <a:rPr lang="en-US" smtClean="0"/>
-              <a:t>12/1/2020</a:t>
+              <a:t>12/3/2020</a:t>
             </a:fld>
             <a:endParaRPr lang="en-US"/>
           </a:p>
@@ -3731,6 +3733,1686 @@
 </p:sld>
 </file>
 
+<file path=ppt/slides/slide10.xml><?xml version="1.0" encoding="utf-8"?>
+<p:sld xmlns:a="http://schemas.openxmlformats.org/drawingml/2006/main" xmlns:r="http://schemas.openxmlformats.org/officeDocument/2006/relationships" xmlns:p="http://schemas.openxmlformats.org/presentationml/2006/main">
+  <p:cSld>
+    <p:spTree>
+      <p:nvGrpSpPr>
+        <p:cNvPr id="1" name=""/>
+        <p:cNvGrpSpPr/>
+        <p:nvPr/>
+      </p:nvGrpSpPr>
+      <p:grpSpPr>
+        <a:xfrm>
+          <a:off x="0" y="0"/>
+          <a:ext cx="0" cy="0"/>
+          <a:chOff x="0" y="0"/>
+          <a:chExt cx="0" cy="0"/>
+        </a:xfrm>
+      </p:grpSpPr>
+      <p:pic>
+        <p:nvPicPr>
+          <p:cNvPr id="5" name="Content Placeholder 4" descr="A picture containing shape&#10;&#10;Description automatically generated">
+            <a:extLst>
+              <a:ext uri="{FF2B5EF4-FFF2-40B4-BE49-F238E27FC236}">
+                <a16:creationId xmlns:a16="http://schemas.microsoft.com/office/drawing/2014/main" id="{015BC766-1309-4896-891A-88068529CB50}"/>
+              </a:ext>
+            </a:extLst>
+          </p:cNvPr>
+          <p:cNvPicPr>
+            <a:picLocks noGrp="1" noChangeAspect="1"/>
+          </p:cNvPicPr>
+          <p:nvPr>
+            <p:ph idx="1"/>
+          </p:nvPr>
+        </p:nvPicPr>
+        <p:blipFill>
+          <a:blip r:embed="rId2">
+            <a:extLst>
+              <a:ext uri="{28A0092B-C50C-407E-A947-70E740481C1C}">
+                <a14:useLocalDpi xmlns:a14="http://schemas.microsoft.com/office/drawing/2010/main" val="0"/>
+              </a:ext>
+            </a:extLst>
+          </a:blip>
+          <a:stretch>
+            <a:fillRect/>
+          </a:stretch>
+        </p:blipFill>
+        <p:spPr>
+          <a:xfrm>
+            <a:off x="1386769" y="1808009"/>
+            <a:ext cx="2140237" cy="2140237"/>
+          </a:xfrm>
+        </p:spPr>
+      </p:pic>
+      <p:pic>
+        <p:nvPicPr>
+          <p:cNvPr id="7" name="Picture 6" descr="A picture containing shape&#10;&#10;Description automatically generated">
+            <a:extLst>
+              <a:ext uri="{FF2B5EF4-FFF2-40B4-BE49-F238E27FC236}">
+                <a16:creationId xmlns:a16="http://schemas.microsoft.com/office/drawing/2014/main" id="{F4357E65-0456-426F-8F67-6DBCD0224D60}"/>
+              </a:ext>
+            </a:extLst>
+          </p:cNvPr>
+          <p:cNvPicPr>
+            <a:picLocks noChangeAspect="1"/>
+          </p:cNvPicPr>
+          <p:nvPr/>
+        </p:nvPicPr>
+        <p:blipFill>
+          <a:blip r:embed="rId3">
+            <a:extLst>
+              <a:ext uri="{28A0092B-C50C-407E-A947-70E740481C1C}">
+                <a14:useLocalDpi xmlns:a14="http://schemas.microsoft.com/office/drawing/2010/main" val="0"/>
+              </a:ext>
+            </a:extLst>
+          </a:blip>
+          <a:stretch>
+            <a:fillRect/>
+          </a:stretch>
+        </p:blipFill>
+        <p:spPr>
+          <a:xfrm>
+            <a:off x="5114925" y="1853754"/>
+            <a:ext cx="1679416" cy="1679416"/>
+          </a:xfrm>
+          <a:prstGeom prst="rect">
+            <a:avLst/>
+          </a:prstGeom>
+        </p:spPr>
+      </p:pic>
+      <p:pic>
+        <p:nvPicPr>
+          <p:cNvPr id="9" name="Picture 8" descr="A picture containing shape&#10;&#10;Description automatically generated">
+            <a:extLst>
+              <a:ext uri="{FF2B5EF4-FFF2-40B4-BE49-F238E27FC236}">
+                <a16:creationId xmlns:a16="http://schemas.microsoft.com/office/drawing/2014/main" id="{5B7495C5-D73B-4359-92BD-D2FC55AE2142}"/>
+              </a:ext>
+            </a:extLst>
+          </p:cNvPr>
+          <p:cNvPicPr>
+            <a:picLocks noChangeAspect="1"/>
+          </p:cNvPicPr>
+          <p:nvPr/>
+        </p:nvPicPr>
+        <p:blipFill>
+          <a:blip r:embed="rId4">
+            <a:extLst>
+              <a:ext uri="{28A0092B-C50C-407E-A947-70E740481C1C}">
+                <a14:useLocalDpi xmlns:a14="http://schemas.microsoft.com/office/drawing/2010/main" val="0"/>
+              </a:ext>
+            </a:extLst>
+          </a:blip>
+          <a:stretch>
+            <a:fillRect/>
+          </a:stretch>
+        </p:blipFill>
+        <p:spPr>
+          <a:xfrm>
+            <a:off x="8545575" y="1836777"/>
+            <a:ext cx="1851471" cy="1851471"/>
+          </a:xfrm>
+          <a:prstGeom prst="rect">
+            <a:avLst/>
+          </a:prstGeom>
+        </p:spPr>
+      </p:pic>
+      <p:cxnSp>
+        <p:nvCxnSpPr>
+          <p:cNvPr id="11" name="Straight Arrow Connector 10">
+            <a:extLst>
+              <a:ext uri="{FF2B5EF4-FFF2-40B4-BE49-F238E27FC236}">
+                <a16:creationId xmlns:a16="http://schemas.microsoft.com/office/drawing/2014/main" id="{14E595CF-E91E-4271-9BD3-54762DA3B3A0}"/>
+              </a:ext>
+            </a:extLst>
+          </p:cNvPr>
+          <p:cNvCxnSpPr>
+            <a:cxnSpLocks/>
+            <a:endCxn id="7" idx="1"/>
+          </p:cNvCxnSpPr>
+          <p:nvPr/>
+        </p:nvCxnSpPr>
+        <p:spPr>
+          <a:xfrm>
+            <a:off x="3527006" y="2693462"/>
+            <a:ext cx="1587919" cy="0"/>
+          </a:xfrm>
+          <a:prstGeom prst="straightConnector1">
+            <a:avLst/>
+          </a:prstGeom>
+          <a:ln>
+            <a:tailEnd type="triangle"/>
+          </a:ln>
+        </p:spPr>
+        <p:style>
+          <a:lnRef idx="1">
+            <a:schemeClr val="accent1"/>
+          </a:lnRef>
+          <a:fillRef idx="0">
+            <a:schemeClr val="accent1"/>
+          </a:fillRef>
+          <a:effectRef idx="0">
+            <a:schemeClr val="accent1"/>
+          </a:effectRef>
+          <a:fontRef idx="minor">
+            <a:schemeClr val="tx1"/>
+          </a:fontRef>
+        </p:style>
+      </p:cxnSp>
+      <p:cxnSp>
+        <p:nvCxnSpPr>
+          <p:cNvPr id="14" name="Straight Arrow Connector 13">
+            <a:extLst>
+              <a:ext uri="{FF2B5EF4-FFF2-40B4-BE49-F238E27FC236}">
+                <a16:creationId xmlns:a16="http://schemas.microsoft.com/office/drawing/2014/main" id="{D1563303-C094-429D-8C98-DE292A48694A}"/>
+              </a:ext>
+            </a:extLst>
+          </p:cNvPr>
+          <p:cNvCxnSpPr/>
+          <p:nvPr/>
+        </p:nvCxnSpPr>
+        <p:spPr>
+          <a:xfrm>
+            <a:off x="6894386" y="2693461"/>
+            <a:ext cx="1551144" cy="0"/>
+          </a:xfrm>
+          <a:prstGeom prst="straightConnector1">
+            <a:avLst/>
+          </a:prstGeom>
+          <a:ln>
+            <a:tailEnd type="triangle"/>
+          </a:ln>
+        </p:spPr>
+        <p:style>
+          <a:lnRef idx="1">
+            <a:schemeClr val="accent1"/>
+          </a:lnRef>
+          <a:fillRef idx="0">
+            <a:schemeClr val="accent1"/>
+          </a:fillRef>
+          <a:effectRef idx="0">
+            <a:schemeClr val="accent1"/>
+          </a:effectRef>
+          <a:fontRef idx="minor">
+            <a:schemeClr val="tx1"/>
+          </a:fontRef>
+        </p:style>
+      </p:cxnSp>
+      <p:pic>
+        <p:nvPicPr>
+          <p:cNvPr id="8" name="Picture 7" descr="Shape&#10;&#10;Description automatically generated">
+            <a:extLst>
+              <a:ext uri="{FF2B5EF4-FFF2-40B4-BE49-F238E27FC236}">
+                <a16:creationId xmlns:a16="http://schemas.microsoft.com/office/drawing/2014/main" id="{956896F1-CC62-4EF5-8148-FB446F6C3469}"/>
+              </a:ext>
+            </a:extLst>
+          </p:cNvPr>
+          <p:cNvPicPr>
+            <a:picLocks noChangeAspect="1"/>
+          </p:cNvPicPr>
+          <p:nvPr/>
+        </p:nvPicPr>
+        <p:blipFill>
+          <a:blip r:embed="rId5">
+            <a:extLst>
+              <a:ext uri="{28A0092B-C50C-407E-A947-70E740481C1C}">
+                <a14:useLocalDpi xmlns:a14="http://schemas.microsoft.com/office/drawing/2010/main" val="0"/>
+              </a:ext>
+            </a:extLst>
+          </a:blip>
+          <a:stretch>
+            <a:fillRect/>
+          </a:stretch>
+        </p:blipFill>
+        <p:spPr>
+          <a:xfrm>
+            <a:off x="4100915" y="2762512"/>
+            <a:ext cx="476876" cy="274566"/>
+          </a:xfrm>
+          <a:prstGeom prst="rect">
+            <a:avLst/>
+          </a:prstGeom>
+        </p:spPr>
+      </p:pic>
+      <p:pic>
+        <p:nvPicPr>
+          <p:cNvPr id="10" name="Picture 9" descr="Shape&#10;&#10;Description automatically generated">
+            <a:extLst>
+              <a:ext uri="{FF2B5EF4-FFF2-40B4-BE49-F238E27FC236}">
+                <a16:creationId xmlns:a16="http://schemas.microsoft.com/office/drawing/2014/main" id="{7B35F1A9-7A7E-4832-8191-EE552AB876D4}"/>
+              </a:ext>
+            </a:extLst>
+          </p:cNvPr>
+          <p:cNvPicPr>
+            <a:picLocks noChangeAspect="1"/>
+          </p:cNvPicPr>
+          <p:nvPr/>
+        </p:nvPicPr>
+        <p:blipFill>
+          <a:blip r:embed="rId5">
+            <a:extLst>
+              <a:ext uri="{28A0092B-C50C-407E-A947-70E740481C1C}">
+                <a14:useLocalDpi xmlns:a14="http://schemas.microsoft.com/office/drawing/2010/main" val="0"/>
+              </a:ext>
+            </a:extLst>
+          </a:blip>
+          <a:stretch>
+            <a:fillRect/>
+          </a:stretch>
+        </p:blipFill>
+        <p:spPr>
+          <a:xfrm>
+            <a:off x="7405296" y="2762512"/>
+            <a:ext cx="476876" cy="274566"/>
+          </a:xfrm>
+          <a:prstGeom prst="rect">
+            <a:avLst/>
+          </a:prstGeom>
+        </p:spPr>
+      </p:pic>
+      <p:sp>
+        <p:nvSpPr>
+          <p:cNvPr id="12" name="TextBox 11">
+            <a:extLst>
+              <a:ext uri="{FF2B5EF4-FFF2-40B4-BE49-F238E27FC236}">
+                <a16:creationId xmlns:a16="http://schemas.microsoft.com/office/drawing/2014/main" id="{9ABA36F0-13DD-4DB5-B0D4-A57DBA905158}"/>
+              </a:ext>
+            </a:extLst>
+          </p:cNvPr>
+          <p:cNvSpPr txBox="1"/>
+          <p:nvPr/>
+        </p:nvSpPr>
+        <p:spPr>
+          <a:xfrm>
+            <a:off x="4027094" y="3043855"/>
+            <a:ext cx="1175485" cy="369332"/>
+          </a:xfrm>
+          <a:prstGeom prst="rect">
+            <a:avLst/>
+          </a:prstGeom>
+          <a:noFill/>
+        </p:spPr>
+        <p:txBody>
+          <a:bodyPr wrap="square">
+            <a:spAutoFit/>
+          </a:bodyPr>
+          <a:lstStyle/>
+          <a:p>
+            <a:r>
+              <a:rPr lang="en-US" dirty="0"/>
+              <a:t>I love you </a:t>
+            </a:r>
+          </a:p>
+        </p:txBody>
+      </p:sp>
+      <p:sp>
+        <p:nvSpPr>
+          <p:cNvPr id="13" name="TextBox 12">
+            <a:extLst>
+              <a:ext uri="{FF2B5EF4-FFF2-40B4-BE49-F238E27FC236}">
+                <a16:creationId xmlns:a16="http://schemas.microsoft.com/office/drawing/2014/main" id="{8180D476-DA68-436D-9830-5E4CF4D32A68}"/>
+              </a:ext>
+            </a:extLst>
+          </p:cNvPr>
+          <p:cNvSpPr txBox="1"/>
+          <p:nvPr/>
+        </p:nvSpPr>
+        <p:spPr>
+          <a:xfrm>
+            <a:off x="7294429" y="3037078"/>
+            <a:ext cx="1175485" cy="369332"/>
+          </a:xfrm>
+          <a:prstGeom prst="rect">
+            <a:avLst/>
+          </a:prstGeom>
+          <a:noFill/>
+        </p:spPr>
+        <p:txBody>
+          <a:bodyPr wrap="square">
+            <a:spAutoFit/>
+          </a:bodyPr>
+          <a:lstStyle/>
+          <a:p>
+            <a:r>
+              <a:rPr lang="en-US" dirty="0"/>
+              <a:t>I hate you </a:t>
+            </a:r>
+          </a:p>
+        </p:txBody>
+      </p:sp>
+      <p:sp>
+        <p:nvSpPr>
+          <p:cNvPr id="3" name="TextBox 2">
+            <a:extLst>
+              <a:ext uri="{FF2B5EF4-FFF2-40B4-BE49-F238E27FC236}">
+                <a16:creationId xmlns:a16="http://schemas.microsoft.com/office/drawing/2014/main" id="{77CDFB39-E235-49F9-A6FF-7C494744AD38}"/>
+              </a:ext>
+            </a:extLst>
+          </p:cNvPr>
+          <p:cNvSpPr txBox="1"/>
+          <p:nvPr/>
+        </p:nvSpPr>
+        <p:spPr>
+          <a:xfrm>
+            <a:off x="2224197" y="3688248"/>
+            <a:ext cx="538930" cy="369332"/>
+          </a:xfrm>
+          <a:prstGeom prst="rect">
+            <a:avLst/>
+          </a:prstGeom>
+          <a:noFill/>
+        </p:spPr>
+        <p:txBody>
+          <a:bodyPr wrap="none" rtlCol="0">
+            <a:spAutoFit/>
+          </a:bodyPr>
+          <a:lstStyle/>
+          <a:p>
+            <a:r>
+              <a:rPr lang="en-US" dirty="0"/>
+              <a:t>Me </a:t>
+            </a:r>
+          </a:p>
+        </p:txBody>
+      </p:sp>
+      <p:sp>
+        <p:nvSpPr>
+          <p:cNvPr id="15" name="TextBox 14">
+            <a:extLst>
+              <a:ext uri="{FF2B5EF4-FFF2-40B4-BE49-F238E27FC236}">
+                <a16:creationId xmlns:a16="http://schemas.microsoft.com/office/drawing/2014/main" id="{4DE778C4-7D15-457B-AA06-AD33B9C7A8A0}"/>
+              </a:ext>
+            </a:extLst>
+          </p:cNvPr>
+          <p:cNvSpPr txBox="1"/>
+          <p:nvPr/>
+        </p:nvSpPr>
+        <p:spPr>
+          <a:xfrm>
+            <a:off x="5574543" y="3763580"/>
+            <a:ext cx="1042914" cy="369332"/>
+          </a:xfrm>
+          <a:prstGeom prst="rect">
+            <a:avLst/>
+          </a:prstGeom>
+          <a:noFill/>
+        </p:spPr>
+        <p:txBody>
+          <a:bodyPr wrap="none" rtlCol="0">
+            <a:spAutoFit/>
+          </a:bodyPr>
+          <a:lstStyle/>
+          <a:p>
+            <a:r>
+              <a:rPr lang="en-US" dirty="0"/>
+              <a:t>Postman </a:t>
+            </a:r>
+          </a:p>
+        </p:txBody>
+      </p:sp>
+      <p:sp>
+        <p:nvSpPr>
+          <p:cNvPr id="16" name="TextBox 15">
+            <a:extLst>
+              <a:ext uri="{FF2B5EF4-FFF2-40B4-BE49-F238E27FC236}">
+                <a16:creationId xmlns:a16="http://schemas.microsoft.com/office/drawing/2014/main" id="{02ED3EDB-F1C4-4A3E-9281-D00EB4D79D38}"/>
+              </a:ext>
+            </a:extLst>
+          </p:cNvPr>
+          <p:cNvSpPr txBox="1"/>
+          <p:nvPr/>
+        </p:nvSpPr>
+        <p:spPr>
+          <a:xfrm>
+            <a:off x="9136923" y="3763580"/>
+            <a:ext cx="758541" cy="646331"/>
+          </a:xfrm>
+          <a:prstGeom prst="rect">
+            <a:avLst/>
+          </a:prstGeom>
+          <a:noFill/>
+        </p:spPr>
+        <p:txBody>
+          <a:bodyPr wrap="none" rtlCol="0">
+            <a:spAutoFit/>
+          </a:bodyPr>
+          <a:lstStyle/>
+          <a:p>
+            <a:r>
+              <a:rPr lang="en-US" dirty="0"/>
+              <a:t>Crush</a:t>
+            </a:r>
+          </a:p>
+          <a:p>
+            <a:r>
+              <a:rPr lang="en-US" dirty="0"/>
+              <a:t> </a:t>
+            </a:r>
+          </a:p>
+        </p:txBody>
+      </p:sp>
+      <p:cxnSp>
+        <p:nvCxnSpPr>
+          <p:cNvPr id="4" name="Straight Arrow Connector 3">
+            <a:extLst>
+              <a:ext uri="{FF2B5EF4-FFF2-40B4-BE49-F238E27FC236}">
+                <a16:creationId xmlns:a16="http://schemas.microsoft.com/office/drawing/2014/main" id="{09683171-2EFB-4947-8C12-D63E0FA0E575}"/>
+              </a:ext>
+            </a:extLst>
+          </p:cNvPr>
+          <p:cNvCxnSpPr/>
+          <p:nvPr/>
+        </p:nvCxnSpPr>
+        <p:spPr>
+          <a:xfrm>
+            <a:off x="5947795" y="1182848"/>
+            <a:ext cx="0" cy="553673"/>
+          </a:xfrm>
+          <a:prstGeom prst="straightConnector1">
+            <a:avLst/>
+          </a:prstGeom>
+          <a:ln>
+            <a:tailEnd type="triangle"/>
+          </a:ln>
+        </p:spPr>
+        <p:style>
+          <a:lnRef idx="1">
+            <a:schemeClr val="accent1"/>
+          </a:lnRef>
+          <a:fillRef idx="0">
+            <a:schemeClr val="accent1"/>
+          </a:fillRef>
+          <a:effectRef idx="0">
+            <a:schemeClr val="accent1"/>
+          </a:effectRef>
+          <a:fontRef idx="minor">
+            <a:schemeClr val="tx1"/>
+          </a:fontRef>
+        </p:style>
+      </p:cxnSp>
+      <p:sp>
+        <p:nvSpPr>
+          <p:cNvPr id="6" name="TextBox 5">
+            <a:extLst>
+              <a:ext uri="{FF2B5EF4-FFF2-40B4-BE49-F238E27FC236}">
+                <a16:creationId xmlns:a16="http://schemas.microsoft.com/office/drawing/2014/main" id="{DD9776C7-0BE4-498C-899B-1383F972F6B0}"/>
+              </a:ext>
+            </a:extLst>
+          </p:cNvPr>
+          <p:cNvSpPr txBox="1"/>
+          <p:nvPr/>
+        </p:nvSpPr>
+        <p:spPr>
+          <a:xfrm>
+            <a:off x="4182320" y="676233"/>
+            <a:ext cx="4382995" cy="369332"/>
+          </a:xfrm>
+          <a:prstGeom prst="rect">
+            <a:avLst/>
+          </a:prstGeom>
+          <a:noFill/>
+        </p:spPr>
+        <p:txBody>
+          <a:bodyPr wrap="none" rtlCol="0">
+            <a:spAutoFit/>
+          </a:bodyPr>
+          <a:lstStyle/>
+          <a:p>
+            <a:r>
+              <a:rPr lang="en-US" dirty="0"/>
+              <a:t>Ask POSTMAN/FRIEND to deliver my letter</a:t>
+            </a:r>
+          </a:p>
+        </p:txBody>
+      </p:sp>
+      <p:sp>
+        <p:nvSpPr>
+          <p:cNvPr id="17" name="TextBox 16">
+            <a:extLst>
+              <a:ext uri="{FF2B5EF4-FFF2-40B4-BE49-F238E27FC236}">
+                <a16:creationId xmlns:a16="http://schemas.microsoft.com/office/drawing/2014/main" id="{93F2A3C4-4052-4033-9124-D4D93B3FC871}"/>
+              </a:ext>
+            </a:extLst>
+          </p:cNvPr>
+          <p:cNvSpPr txBox="1"/>
+          <p:nvPr/>
+        </p:nvSpPr>
+        <p:spPr>
+          <a:xfrm>
+            <a:off x="600075" y="504825"/>
+            <a:ext cx="1178528" cy="369332"/>
+          </a:xfrm>
+          <a:prstGeom prst="rect">
+            <a:avLst/>
+          </a:prstGeom>
+          <a:noFill/>
+        </p:spPr>
+        <p:txBody>
+          <a:bodyPr wrap="none" rtlCol="0">
+            <a:spAutoFit/>
+          </a:bodyPr>
+          <a:lstStyle/>
+          <a:p>
+            <a:r>
+              <a:rPr lang="en-US" dirty="0"/>
+              <a:t>Scenario B</a:t>
+            </a:r>
+          </a:p>
+        </p:txBody>
+      </p:sp>
+      <p:pic>
+        <p:nvPicPr>
+          <p:cNvPr id="18" name="Picture 17">
+            <a:extLst>
+              <a:ext uri="{FF2B5EF4-FFF2-40B4-BE49-F238E27FC236}">
+                <a16:creationId xmlns:a16="http://schemas.microsoft.com/office/drawing/2014/main" id="{441335B6-39DE-4FBA-AE11-9DB69BC0332F}"/>
+              </a:ext>
+            </a:extLst>
+          </p:cNvPr>
+          <p:cNvPicPr>
+            <a:picLocks noChangeAspect="1"/>
+          </p:cNvPicPr>
+          <p:nvPr/>
+        </p:nvPicPr>
+        <p:blipFill rotWithShape="1">
+          <a:blip r:embed="rId6"/>
+          <a:srcRect t="40832"/>
+          <a:stretch/>
+        </p:blipFill>
+        <p:spPr>
+          <a:xfrm>
+            <a:off x="2224197" y="4298638"/>
+            <a:ext cx="7844401" cy="2483640"/>
+          </a:xfrm>
+          <a:prstGeom prst="rect">
+            <a:avLst/>
+          </a:prstGeom>
+        </p:spPr>
+      </p:pic>
+      <p:cxnSp>
+        <p:nvCxnSpPr>
+          <p:cNvPr id="22" name="Straight Arrow Connector 21">
+            <a:extLst>
+              <a:ext uri="{FF2B5EF4-FFF2-40B4-BE49-F238E27FC236}">
+                <a16:creationId xmlns:a16="http://schemas.microsoft.com/office/drawing/2014/main" id="{3B06FB8F-8A35-44C3-9AA8-F528D9FC4D9E}"/>
+              </a:ext>
+            </a:extLst>
+          </p:cNvPr>
+          <p:cNvCxnSpPr>
+            <a:cxnSpLocks/>
+          </p:cNvCxnSpPr>
+          <p:nvPr/>
+        </p:nvCxnSpPr>
+        <p:spPr>
+          <a:xfrm>
+            <a:off x="4577791" y="3533170"/>
+            <a:ext cx="364000" cy="694009"/>
+          </a:xfrm>
+          <a:prstGeom prst="straightConnector1">
+            <a:avLst/>
+          </a:prstGeom>
+          <a:ln w="76200">
+            <a:tailEnd type="triangle"/>
+          </a:ln>
+        </p:spPr>
+        <p:style>
+          <a:lnRef idx="3">
+            <a:schemeClr val="dk1"/>
+          </a:lnRef>
+          <a:fillRef idx="0">
+            <a:schemeClr val="dk1"/>
+          </a:fillRef>
+          <a:effectRef idx="2">
+            <a:schemeClr val="dk1"/>
+          </a:effectRef>
+          <a:fontRef idx="minor">
+            <a:schemeClr val="tx1"/>
+          </a:fontRef>
+        </p:style>
+      </p:cxnSp>
+      <p:cxnSp>
+        <p:nvCxnSpPr>
+          <p:cNvPr id="23" name="Straight Arrow Connector 22">
+            <a:extLst>
+              <a:ext uri="{FF2B5EF4-FFF2-40B4-BE49-F238E27FC236}">
+                <a16:creationId xmlns:a16="http://schemas.microsoft.com/office/drawing/2014/main" id="{B03F2962-343A-412A-9BB5-FB1724F09E4E}"/>
+              </a:ext>
+            </a:extLst>
+          </p:cNvPr>
+          <p:cNvCxnSpPr>
+            <a:cxnSpLocks/>
+          </p:cNvCxnSpPr>
+          <p:nvPr/>
+        </p:nvCxnSpPr>
+        <p:spPr>
+          <a:xfrm flipH="1">
+            <a:off x="7294429" y="3381822"/>
+            <a:ext cx="332248" cy="910039"/>
+          </a:xfrm>
+          <a:prstGeom prst="straightConnector1">
+            <a:avLst/>
+          </a:prstGeom>
+          <a:ln w="76200">
+            <a:tailEnd type="triangle"/>
+          </a:ln>
+        </p:spPr>
+        <p:style>
+          <a:lnRef idx="3">
+            <a:schemeClr val="dk1"/>
+          </a:lnRef>
+          <a:fillRef idx="0">
+            <a:schemeClr val="dk1"/>
+          </a:fillRef>
+          <a:effectRef idx="2">
+            <a:schemeClr val="dk1"/>
+          </a:effectRef>
+          <a:fontRef idx="minor">
+            <a:schemeClr val="tx1"/>
+          </a:fontRef>
+        </p:style>
+      </p:cxnSp>
+    </p:spTree>
+    <p:extLst>
+      <p:ext uri="{BB962C8B-B14F-4D97-AF65-F5344CB8AC3E}">
+        <p14:creationId xmlns:p14="http://schemas.microsoft.com/office/powerpoint/2010/main" val="5055789"/>
+      </p:ext>
+    </p:extLst>
+  </p:cSld>
+  <p:clrMapOvr>
+    <a:masterClrMapping/>
+  </p:clrMapOvr>
+</p:sld>
+</file>
+
+<file path=ppt/slides/slide11.xml><?xml version="1.0" encoding="utf-8"?>
+<p:sld xmlns:a="http://schemas.openxmlformats.org/drawingml/2006/main" xmlns:r="http://schemas.openxmlformats.org/officeDocument/2006/relationships" xmlns:p="http://schemas.openxmlformats.org/presentationml/2006/main">
+  <p:cSld>
+    <p:spTree>
+      <p:nvGrpSpPr>
+        <p:cNvPr id="1" name=""/>
+        <p:cNvGrpSpPr/>
+        <p:nvPr/>
+      </p:nvGrpSpPr>
+      <p:grpSpPr>
+        <a:xfrm>
+          <a:off x="0" y="0"/>
+          <a:ext cx="0" cy="0"/>
+          <a:chOff x="0" y="0"/>
+          <a:chExt cx="0" cy="0"/>
+        </a:xfrm>
+      </p:grpSpPr>
+      <p:pic>
+        <p:nvPicPr>
+          <p:cNvPr id="17" name="Content Placeholder 4" descr="A picture containing shape&#10;&#10;Description automatically generated">
+            <a:extLst>
+              <a:ext uri="{FF2B5EF4-FFF2-40B4-BE49-F238E27FC236}">
+                <a16:creationId xmlns:a16="http://schemas.microsoft.com/office/drawing/2014/main" id="{FC88D8AE-4E73-4B22-BCDC-888251E7F0A9}"/>
+              </a:ext>
+            </a:extLst>
+          </p:cNvPr>
+          <p:cNvPicPr>
+            <a:picLocks noGrp="1" noChangeAspect="1"/>
+          </p:cNvPicPr>
+          <p:nvPr>
+            <p:ph idx="1"/>
+          </p:nvPr>
+        </p:nvPicPr>
+        <p:blipFill>
+          <a:blip r:embed="rId2">
+            <a:extLst>
+              <a:ext uri="{28A0092B-C50C-407E-A947-70E740481C1C}">
+                <a14:useLocalDpi xmlns:a14="http://schemas.microsoft.com/office/drawing/2010/main" val="0"/>
+              </a:ext>
+            </a:extLst>
+          </a:blip>
+          <a:stretch>
+            <a:fillRect/>
+          </a:stretch>
+        </p:blipFill>
+        <p:spPr>
+          <a:xfrm>
+            <a:off x="2527135" y="175404"/>
+            <a:ext cx="1214120" cy="1214120"/>
+          </a:xfrm>
+        </p:spPr>
+      </p:pic>
+      <p:pic>
+        <p:nvPicPr>
+          <p:cNvPr id="18" name="Picture 17" descr="A picture containing shape&#10;&#10;Description automatically generated">
+            <a:extLst>
+              <a:ext uri="{FF2B5EF4-FFF2-40B4-BE49-F238E27FC236}">
+                <a16:creationId xmlns:a16="http://schemas.microsoft.com/office/drawing/2014/main" id="{869B3AF3-116C-418B-9637-2526CCF89C8A}"/>
+              </a:ext>
+            </a:extLst>
+          </p:cNvPr>
+          <p:cNvPicPr>
+            <a:picLocks noChangeAspect="1"/>
+          </p:cNvPicPr>
+          <p:nvPr/>
+        </p:nvPicPr>
+        <p:blipFill>
+          <a:blip r:embed="rId3">
+            <a:extLst>
+              <a:ext uri="{28A0092B-C50C-407E-A947-70E740481C1C}">
+                <a14:useLocalDpi xmlns:a14="http://schemas.microsoft.com/office/drawing/2010/main" val="0"/>
+              </a:ext>
+            </a:extLst>
+          </a:blip>
+          <a:stretch>
+            <a:fillRect/>
+          </a:stretch>
+        </p:blipFill>
+        <p:spPr>
+          <a:xfrm>
+            <a:off x="5494397" y="172932"/>
+            <a:ext cx="952704" cy="952704"/>
+          </a:xfrm>
+          <a:prstGeom prst="rect">
+            <a:avLst/>
+          </a:prstGeom>
+        </p:spPr>
+      </p:pic>
+      <p:pic>
+        <p:nvPicPr>
+          <p:cNvPr id="19" name="Picture 18" descr="A picture containing shape&#10;&#10;Description automatically generated">
+            <a:extLst>
+              <a:ext uri="{FF2B5EF4-FFF2-40B4-BE49-F238E27FC236}">
+                <a16:creationId xmlns:a16="http://schemas.microsoft.com/office/drawing/2014/main" id="{B87A6A5D-9BEC-42FC-8188-CFC197206474}"/>
+              </a:ext>
+            </a:extLst>
+          </p:cNvPr>
+          <p:cNvPicPr>
+            <a:picLocks noChangeAspect="1"/>
+          </p:cNvPicPr>
+          <p:nvPr/>
+        </p:nvPicPr>
+        <p:blipFill>
+          <a:blip r:embed="rId4">
+            <a:extLst>
+              <a:ext uri="{28A0092B-C50C-407E-A947-70E740481C1C}">
+                <a14:useLocalDpi xmlns:a14="http://schemas.microsoft.com/office/drawing/2010/main" val="0"/>
+              </a:ext>
+            </a:extLst>
+          </a:blip>
+          <a:stretch>
+            <a:fillRect/>
+          </a:stretch>
+        </p:blipFill>
+        <p:spPr>
+          <a:xfrm>
+            <a:off x="8265446" y="181290"/>
+            <a:ext cx="1050308" cy="1050308"/>
+          </a:xfrm>
+          <a:prstGeom prst="rect">
+            <a:avLst/>
+          </a:prstGeom>
+        </p:spPr>
+      </p:pic>
+      <p:cxnSp>
+        <p:nvCxnSpPr>
+          <p:cNvPr id="21" name="Straight Arrow Connector 20">
+            <a:extLst>
+              <a:ext uri="{FF2B5EF4-FFF2-40B4-BE49-F238E27FC236}">
+                <a16:creationId xmlns:a16="http://schemas.microsoft.com/office/drawing/2014/main" id="{E58B30C6-D35F-498E-B082-B4D2E15CD440}"/>
+              </a:ext>
+            </a:extLst>
+          </p:cNvPr>
+          <p:cNvCxnSpPr>
+            <a:cxnSpLocks/>
+          </p:cNvCxnSpPr>
+          <p:nvPr/>
+        </p:nvCxnSpPr>
+        <p:spPr>
+          <a:xfrm flipV="1">
+            <a:off x="6959152" y="706444"/>
+            <a:ext cx="879938" cy="1"/>
+          </a:xfrm>
+          <a:prstGeom prst="straightConnector1">
+            <a:avLst/>
+          </a:prstGeom>
+          <a:ln>
+            <a:tailEnd type="triangle"/>
+          </a:ln>
+        </p:spPr>
+        <p:style>
+          <a:lnRef idx="1">
+            <a:schemeClr val="accent1"/>
+          </a:lnRef>
+          <a:fillRef idx="0">
+            <a:schemeClr val="accent1"/>
+          </a:fillRef>
+          <a:effectRef idx="0">
+            <a:schemeClr val="accent1"/>
+          </a:effectRef>
+          <a:fontRef idx="minor">
+            <a:schemeClr val="tx1"/>
+          </a:fontRef>
+        </p:style>
+      </p:cxnSp>
+      <p:pic>
+        <p:nvPicPr>
+          <p:cNvPr id="22" name="Picture 21" descr="Shape&#10;&#10;Description automatically generated">
+            <a:extLst>
+              <a:ext uri="{FF2B5EF4-FFF2-40B4-BE49-F238E27FC236}">
+                <a16:creationId xmlns:a16="http://schemas.microsoft.com/office/drawing/2014/main" id="{B1ADBC8F-0BC5-4CE7-83ED-47B11A2BC9E5}"/>
+              </a:ext>
+            </a:extLst>
+          </p:cNvPr>
+          <p:cNvPicPr>
+            <a:picLocks noChangeAspect="1"/>
+          </p:cNvPicPr>
+          <p:nvPr/>
+        </p:nvPicPr>
+        <p:blipFill>
+          <a:blip r:embed="rId5">
+            <a:extLst>
+              <a:ext uri="{28A0092B-C50C-407E-A947-70E740481C1C}">
+                <a14:useLocalDpi xmlns:a14="http://schemas.microsoft.com/office/drawing/2010/main" val="0"/>
+              </a:ext>
+            </a:extLst>
+          </a:blip>
+          <a:stretch>
+            <a:fillRect/>
+          </a:stretch>
+        </p:blipFill>
+        <p:spPr>
+          <a:xfrm>
+            <a:off x="4107683" y="845871"/>
+            <a:ext cx="270524" cy="155757"/>
+          </a:xfrm>
+          <a:prstGeom prst="rect">
+            <a:avLst/>
+          </a:prstGeom>
+        </p:spPr>
+      </p:pic>
+      <p:pic>
+        <p:nvPicPr>
+          <p:cNvPr id="23" name="Picture 22" descr="Shape&#10;&#10;Description automatically generated">
+            <a:extLst>
+              <a:ext uri="{FF2B5EF4-FFF2-40B4-BE49-F238E27FC236}">
+                <a16:creationId xmlns:a16="http://schemas.microsoft.com/office/drawing/2014/main" id="{6DBB1269-C8B6-437A-BB7E-DD42E3605F69}"/>
+              </a:ext>
+            </a:extLst>
+          </p:cNvPr>
+          <p:cNvPicPr>
+            <a:picLocks noChangeAspect="1"/>
+          </p:cNvPicPr>
+          <p:nvPr/>
+        </p:nvPicPr>
+        <p:blipFill>
+          <a:blip r:embed="rId5">
+            <a:extLst>
+              <a:ext uri="{28A0092B-C50C-407E-A947-70E740481C1C}">
+                <a14:useLocalDpi xmlns:a14="http://schemas.microsoft.com/office/drawing/2010/main" val="0"/>
+              </a:ext>
+            </a:extLst>
+          </a:blip>
+          <a:stretch>
+            <a:fillRect/>
+          </a:stretch>
+        </p:blipFill>
+        <p:spPr>
+          <a:xfrm>
+            <a:off x="7245517" y="819733"/>
+            <a:ext cx="270524" cy="155757"/>
+          </a:xfrm>
+          <a:prstGeom prst="rect">
+            <a:avLst/>
+          </a:prstGeom>
+        </p:spPr>
+      </p:pic>
+      <p:sp>
+        <p:nvSpPr>
+          <p:cNvPr id="24" name="TextBox 23">
+            <a:extLst>
+              <a:ext uri="{FF2B5EF4-FFF2-40B4-BE49-F238E27FC236}">
+                <a16:creationId xmlns:a16="http://schemas.microsoft.com/office/drawing/2014/main" id="{7B37172F-0639-4FEB-9968-34C929BE82FA}"/>
+              </a:ext>
+            </a:extLst>
+          </p:cNvPr>
+          <p:cNvSpPr txBox="1"/>
+          <p:nvPr/>
+        </p:nvSpPr>
+        <p:spPr>
+          <a:xfrm>
+            <a:off x="4102541" y="975490"/>
+            <a:ext cx="1505512" cy="369332"/>
+          </a:xfrm>
+          <a:prstGeom prst="rect">
+            <a:avLst/>
+          </a:prstGeom>
+          <a:noFill/>
+        </p:spPr>
+        <p:txBody>
+          <a:bodyPr wrap="square">
+            <a:spAutoFit/>
+          </a:bodyPr>
+          <a:lstStyle/>
+          <a:p>
+            <a:r>
+              <a:rPr lang="en-US" dirty="0"/>
+              <a:t>I love you </a:t>
+            </a:r>
+          </a:p>
+        </p:txBody>
+      </p:sp>
+      <p:sp>
+        <p:nvSpPr>
+          <p:cNvPr id="25" name="TextBox 24">
+            <a:extLst>
+              <a:ext uri="{FF2B5EF4-FFF2-40B4-BE49-F238E27FC236}">
+                <a16:creationId xmlns:a16="http://schemas.microsoft.com/office/drawing/2014/main" id="{70E68949-EC4D-4890-86AC-75AFAF147A15}"/>
+              </a:ext>
+            </a:extLst>
+          </p:cNvPr>
+          <p:cNvSpPr txBox="1"/>
+          <p:nvPr/>
+        </p:nvSpPr>
+        <p:spPr>
+          <a:xfrm>
+            <a:off x="7196506" y="938935"/>
+            <a:ext cx="1976413" cy="369332"/>
+          </a:xfrm>
+          <a:prstGeom prst="rect">
+            <a:avLst/>
+          </a:prstGeom>
+          <a:noFill/>
+        </p:spPr>
+        <p:txBody>
+          <a:bodyPr wrap="square">
+            <a:spAutoFit/>
+          </a:bodyPr>
+          <a:lstStyle/>
+          <a:p>
+            <a:r>
+              <a:rPr lang="en-US" dirty="0"/>
+              <a:t>I hate you </a:t>
+            </a:r>
+          </a:p>
+        </p:txBody>
+      </p:sp>
+      <p:sp>
+        <p:nvSpPr>
+          <p:cNvPr id="26" name="TextBox 25">
+            <a:extLst>
+              <a:ext uri="{FF2B5EF4-FFF2-40B4-BE49-F238E27FC236}">
+                <a16:creationId xmlns:a16="http://schemas.microsoft.com/office/drawing/2014/main" id="{6130095A-EF97-4707-B60F-01B8505EB990}"/>
+              </a:ext>
+            </a:extLst>
+          </p:cNvPr>
+          <p:cNvSpPr txBox="1"/>
+          <p:nvPr/>
+        </p:nvSpPr>
+        <p:spPr>
+          <a:xfrm>
+            <a:off x="2925696" y="1142471"/>
+            <a:ext cx="591626" cy="369332"/>
+          </a:xfrm>
+          <a:prstGeom prst="rect">
+            <a:avLst/>
+          </a:prstGeom>
+          <a:noFill/>
+        </p:spPr>
+        <p:txBody>
+          <a:bodyPr wrap="square" rtlCol="0">
+            <a:spAutoFit/>
+          </a:bodyPr>
+          <a:lstStyle/>
+          <a:p>
+            <a:r>
+              <a:rPr lang="en-US" dirty="0"/>
+              <a:t>Me </a:t>
+            </a:r>
+          </a:p>
+        </p:txBody>
+      </p:sp>
+      <p:sp>
+        <p:nvSpPr>
+          <p:cNvPr id="27" name="TextBox 26">
+            <a:extLst>
+              <a:ext uri="{FF2B5EF4-FFF2-40B4-BE49-F238E27FC236}">
+                <a16:creationId xmlns:a16="http://schemas.microsoft.com/office/drawing/2014/main" id="{F942A97E-DE07-49C7-9C3F-E0F363404869}"/>
+              </a:ext>
+            </a:extLst>
+          </p:cNvPr>
+          <p:cNvSpPr txBox="1"/>
+          <p:nvPr/>
+        </p:nvSpPr>
+        <p:spPr>
+          <a:xfrm>
+            <a:off x="5525458" y="1116048"/>
+            <a:ext cx="1088522" cy="369332"/>
+          </a:xfrm>
+          <a:prstGeom prst="rect">
+            <a:avLst/>
+          </a:prstGeom>
+          <a:noFill/>
+        </p:spPr>
+        <p:txBody>
+          <a:bodyPr wrap="square" rtlCol="0">
+            <a:spAutoFit/>
+          </a:bodyPr>
+          <a:lstStyle/>
+          <a:p>
+            <a:r>
+              <a:rPr lang="en-US" dirty="0"/>
+              <a:t>Postman </a:t>
+            </a:r>
+          </a:p>
+        </p:txBody>
+      </p:sp>
+      <p:sp>
+        <p:nvSpPr>
+          <p:cNvPr id="28" name="TextBox 27">
+            <a:extLst>
+              <a:ext uri="{FF2B5EF4-FFF2-40B4-BE49-F238E27FC236}">
+                <a16:creationId xmlns:a16="http://schemas.microsoft.com/office/drawing/2014/main" id="{8C52745A-BD9D-427E-9339-12856F1D79AD}"/>
+              </a:ext>
+            </a:extLst>
+          </p:cNvPr>
+          <p:cNvSpPr txBox="1"/>
+          <p:nvPr/>
+        </p:nvSpPr>
+        <p:spPr>
+          <a:xfrm>
+            <a:off x="8439719" y="1162214"/>
+            <a:ext cx="839657" cy="646331"/>
+          </a:xfrm>
+          <a:prstGeom prst="rect">
+            <a:avLst/>
+          </a:prstGeom>
+          <a:noFill/>
+        </p:spPr>
+        <p:txBody>
+          <a:bodyPr wrap="square" rtlCol="0">
+            <a:spAutoFit/>
+          </a:bodyPr>
+          <a:lstStyle/>
+          <a:p>
+            <a:r>
+              <a:rPr lang="en-US" dirty="0"/>
+              <a:t>Crush</a:t>
+            </a:r>
+          </a:p>
+          <a:p>
+            <a:r>
+              <a:rPr lang="en-US" dirty="0"/>
+              <a:t> </a:t>
+            </a:r>
+          </a:p>
+        </p:txBody>
+      </p:sp>
+      <p:cxnSp>
+        <p:nvCxnSpPr>
+          <p:cNvPr id="31" name="Straight Arrow Connector 30">
+            <a:extLst>
+              <a:ext uri="{FF2B5EF4-FFF2-40B4-BE49-F238E27FC236}">
+                <a16:creationId xmlns:a16="http://schemas.microsoft.com/office/drawing/2014/main" id="{AE546A61-9109-45CD-A271-C9EECA34B841}"/>
+              </a:ext>
+            </a:extLst>
+          </p:cNvPr>
+          <p:cNvCxnSpPr>
+            <a:cxnSpLocks/>
+          </p:cNvCxnSpPr>
+          <p:nvPr/>
+        </p:nvCxnSpPr>
+        <p:spPr>
+          <a:xfrm flipV="1">
+            <a:off x="3778230" y="718731"/>
+            <a:ext cx="879938" cy="1"/>
+          </a:xfrm>
+          <a:prstGeom prst="straightConnector1">
+            <a:avLst/>
+          </a:prstGeom>
+          <a:ln>
+            <a:tailEnd type="triangle"/>
+          </a:ln>
+        </p:spPr>
+        <p:style>
+          <a:lnRef idx="1">
+            <a:schemeClr val="accent1"/>
+          </a:lnRef>
+          <a:fillRef idx="0">
+            <a:schemeClr val="accent1"/>
+          </a:fillRef>
+          <a:effectRef idx="0">
+            <a:schemeClr val="accent1"/>
+          </a:effectRef>
+          <a:fontRef idx="minor">
+            <a:schemeClr val="tx1"/>
+          </a:fontRef>
+        </p:style>
+      </p:cxnSp>
+      <p:pic>
+        <p:nvPicPr>
+          <p:cNvPr id="34" name="Picture 33" descr="Text&#10;&#10;Description automatically generated">
+            <a:extLst>
+              <a:ext uri="{FF2B5EF4-FFF2-40B4-BE49-F238E27FC236}">
+                <a16:creationId xmlns:a16="http://schemas.microsoft.com/office/drawing/2014/main" id="{22F96B08-FD4A-4574-9842-E37C11C96AB8}"/>
+              </a:ext>
+            </a:extLst>
+          </p:cNvPr>
+          <p:cNvPicPr>
+            <a:picLocks noChangeAspect="1"/>
+          </p:cNvPicPr>
+          <p:nvPr/>
+        </p:nvPicPr>
+        <p:blipFill>
+          <a:blip r:embed="rId6">
+            <a:extLst>
+              <a:ext uri="{28A0092B-C50C-407E-A947-70E740481C1C}">
+                <a14:useLocalDpi xmlns:a14="http://schemas.microsoft.com/office/drawing/2010/main" val="0"/>
+              </a:ext>
+            </a:extLst>
+          </a:blip>
+          <a:stretch>
+            <a:fillRect/>
+          </a:stretch>
+        </p:blipFill>
+        <p:spPr>
+          <a:xfrm>
+            <a:off x="4855297" y="2378628"/>
+            <a:ext cx="2634030" cy="1328923"/>
+          </a:xfrm>
+          <a:prstGeom prst="rect">
+            <a:avLst/>
+          </a:prstGeom>
+        </p:spPr>
+      </p:pic>
+      <p:pic>
+        <p:nvPicPr>
+          <p:cNvPr id="36" name="Picture 35" descr="A picture containing icon&#10;&#10;Description automatically generated">
+            <a:extLst>
+              <a:ext uri="{FF2B5EF4-FFF2-40B4-BE49-F238E27FC236}">
+                <a16:creationId xmlns:a16="http://schemas.microsoft.com/office/drawing/2014/main" id="{DC1D32F3-32E3-4F4B-BC2B-A340BBD9053C}"/>
+              </a:ext>
+            </a:extLst>
+          </p:cNvPr>
+          <p:cNvPicPr>
+            <a:picLocks noChangeAspect="1"/>
+          </p:cNvPicPr>
+          <p:nvPr/>
+        </p:nvPicPr>
+        <p:blipFill>
+          <a:blip r:embed="rId7">
+            <a:extLst>
+              <a:ext uri="{28A0092B-C50C-407E-A947-70E740481C1C}">
+                <a14:useLocalDpi xmlns:a14="http://schemas.microsoft.com/office/drawing/2010/main" val="0"/>
+              </a:ext>
+            </a:extLst>
+          </a:blip>
+          <a:stretch>
+            <a:fillRect/>
+          </a:stretch>
+        </p:blipFill>
+        <p:spPr>
+          <a:xfrm>
+            <a:off x="8737196" y="2179570"/>
+            <a:ext cx="1612864" cy="1612864"/>
+          </a:xfrm>
+          <a:prstGeom prst="rect">
+            <a:avLst/>
+          </a:prstGeom>
+        </p:spPr>
+      </p:pic>
+      <p:pic>
+        <p:nvPicPr>
+          <p:cNvPr id="38" name="Picture 37" descr="Icon&#10;&#10;Description automatically generated">
+            <a:extLst>
+              <a:ext uri="{FF2B5EF4-FFF2-40B4-BE49-F238E27FC236}">
+                <a16:creationId xmlns:a16="http://schemas.microsoft.com/office/drawing/2014/main" id="{500994AD-E3E8-4E67-B229-2A775CE704D7}"/>
+              </a:ext>
+            </a:extLst>
+          </p:cNvPr>
+          <p:cNvPicPr>
+            <a:picLocks noChangeAspect="1"/>
+          </p:cNvPicPr>
+          <p:nvPr/>
+        </p:nvPicPr>
+        <p:blipFill>
+          <a:blip r:embed="rId8">
+            <a:extLst>
+              <a:ext uri="{28A0092B-C50C-407E-A947-70E740481C1C}">
+                <a14:useLocalDpi xmlns:a14="http://schemas.microsoft.com/office/drawing/2010/main" val="0"/>
+              </a:ext>
+            </a:extLst>
+          </a:blip>
+          <a:stretch>
+            <a:fillRect/>
+          </a:stretch>
+        </p:blipFill>
+        <p:spPr>
+          <a:xfrm>
+            <a:off x="2243964" y="2344087"/>
+            <a:ext cx="1363464" cy="1363464"/>
+          </a:xfrm>
+          <a:prstGeom prst="rect">
+            <a:avLst/>
+          </a:prstGeom>
+        </p:spPr>
+      </p:pic>
+      <p:sp>
+        <p:nvSpPr>
+          <p:cNvPr id="39" name="TextBox 38">
+            <a:extLst>
+              <a:ext uri="{FF2B5EF4-FFF2-40B4-BE49-F238E27FC236}">
+                <a16:creationId xmlns:a16="http://schemas.microsoft.com/office/drawing/2014/main" id="{3BE6C584-2807-4075-8513-4B2A9BB27D2B}"/>
+              </a:ext>
+            </a:extLst>
+          </p:cNvPr>
+          <p:cNvSpPr txBox="1"/>
+          <p:nvPr/>
+        </p:nvSpPr>
+        <p:spPr>
+          <a:xfrm>
+            <a:off x="2377791" y="3707551"/>
+            <a:ext cx="1363464" cy="646331"/>
+          </a:xfrm>
+          <a:prstGeom prst="rect">
+            <a:avLst/>
+          </a:prstGeom>
+          <a:noFill/>
+        </p:spPr>
+        <p:txBody>
+          <a:bodyPr wrap="square" rtlCol="0">
+            <a:spAutoFit/>
+          </a:bodyPr>
+          <a:lstStyle/>
+          <a:p>
+            <a:r>
+              <a:rPr lang="en-US" dirty="0"/>
+              <a:t>Google Chrome </a:t>
+            </a:r>
+          </a:p>
+        </p:txBody>
+      </p:sp>
+      <p:sp>
+        <p:nvSpPr>
+          <p:cNvPr id="40" name="TextBox 39">
+            <a:extLst>
+              <a:ext uri="{FF2B5EF4-FFF2-40B4-BE49-F238E27FC236}">
+                <a16:creationId xmlns:a16="http://schemas.microsoft.com/office/drawing/2014/main" id="{F39557C6-F2F5-46CB-9331-802F7F9170AD}"/>
+              </a:ext>
+            </a:extLst>
+          </p:cNvPr>
+          <p:cNvSpPr txBox="1"/>
+          <p:nvPr/>
+        </p:nvSpPr>
+        <p:spPr>
+          <a:xfrm>
+            <a:off x="8914809" y="3847251"/>
+            <a:ext cx="1363464" cy="369332"/>
+          </a:xfrm>
+          <a:prstGeom prst="rect">
+            <a:avLst/>
+          </a:prstGeom>
+          <a:noFill/>
+        </p:spPr>
+        <p:txBody>
+          <a:bodyPr wrap="square" rtlCol="0">
+            <a:spAutoFit/>
+          </a:bodyPr>
+          <a:lstStyle/>
+          <a:p>
+            <a:r>
+              <a:rPr lang="en-US" dirty="0"/>
+              <a:t>Web Server</a:t>
+            </a:r>
+          </a:p>
+        </p:txBody>
+      </p:sp>
+      <p:sp>
+        <p:nvSpPr>
+          <p:cNvPr id="41" name="TextBox 40">
+            <a:extLst>
+              <a:ext uri="{FF2B5EF4-FFF2-40B4-BE49-F238E27FC236}">
+                <a16:creationId xmlns:a16="http://schemas.microsoft.com/office/drawing/2014/main" id="{5FAC3F42-7546-40F7-8FBF-4EBE934E19E0}"/>
+              </a:ext>
+            </a:extLst>
+          </p:cNvPr>
+          <p:cNvSpPr txBox="1"/>
+          <p:nvPr/>
+        </p:nvSpPr>
+        <p:spPr>
+          <a:xfrm>
+            <a:off x="5185635" y="3801084"/>
+            <a:ext cx="1820730" cy="369332"/>
+          </a:xfrm>
+          <a:prstGeom prst="rect">
+            <a:avLst/>
+          </a:prstGeom>
+          <a:noFill/>
+        </p:spPr>
+        <p:txBody>
+          <a:bodyPr wrap="square" rtlCol="0">
+            <a:spAutoFit/>
+          </a:bodyPr>
+          <a:lstStyle/>
+          <a:p>
+            <a:r>
+              <a:rPr lang="en-US" dirty="0"/>
+              <a:t>Proxy/ Burp Suite</a:t>
+            </a:r>
+          </a:p>
+        </p:txBody>
+      </p:sp>
+      <p:cxnSp>
+        <p:nvCxnSpPr>
+          <p:cNvPr id="42" name="Straight Arrow Connector 41">
+            <a:extLst>
+              <a:ext uri="{FF2B5EF4-FFF2-40B4-BE49-F238E27FC236}">
+                <a16:creationId xmlns:a16="http://schemas.microsoft.com/office/drawing/2014/main" id="{F7352513-29B6-424F-94ED-583B50CCD486}"/>
+              </a:ext>
+            </a:extLst>
+          </p:cNvPr>
+          <p:cNvCxnSpPr>
+            <a:cxnSpLocks/>
+          </p:cNvCxnSpPr>
+          <p:nvPr/>
+        </p:nvCxnSpPr>
+        <p:spPr>
+          <a:xfrm flipV="1">
+            <a:off x="3739661" y="3036759"/>
+            <a:ext cx="879938" cy="1"/>
+          </a:xfrm>
+          <a:prstGeom prst="straightConnector1">
+            <a:avLst/>
+          </a:prstGeom>
+          <a:ln>
+            <a:tailEnd type="triangle"/>
+          </a:ln>
+        </p:spPr>
+        <p:style>
+          <a:lnRef idx="1">
+            <a:schemeClr val="accent1"/>
+          </a:lnRef>
+          <a:fillRef idx="0">
+            <a:schemeClr val="accent1"/>
+          </a:fillRef>
+          <a:effectRef idx="0">
+            <a:schemeClr val="accent1"/>
+          </a:effectRef>
+          <a:fontRef idx="minor">
+            <a:schemeClr val="tx1"/>
+          </a:fontRef>
+        </p:style>
+      </p:cxnSp>
+      <p:cxnSp>
+        <p:nvCxnSpPr>
+          <p:cNvPr id="43" name="Straight Arrow Connector 42">
+            <a:extLst>
+              <a:ext uri="{FF2B5EF4-FFF2-40B4-BE49-F238E27FC236}">
+                <a16:creationId xmlns:a16="http://schemas.microsoft.com/office/drawing/2014/main" id="{E8D87454-2B5D-406B-8090-53E786C44CEE}"/>
+              </a:ext>
+            </a:extLst>
+          </p:cNvPr>
+          <p:cNvCxnSpPr>
+            <a:cxnSpLocks/>
+          </p:cNvCxnSpPr>
+          <p:nvPr/>
+        </p:nvCxnSpPr>
+        <p:spPr>
+          <a:xfrm flipV="1">
+            <a:off x="7831312" y="3036759"/>
+            <a:ext cx="879938" cy="1"/>
+          </a:xfrm>
+          <a:prstGeom prst="straightConnector1">
+            <a:avLst/>
+          </a:prstGeom>
+          <a:ln>
+            <a:tailEnd type="triangle"/>
+          </a:ln>
+        </p:spPr>
+        <p:style>
+          <a:lnRef idx="1">
+            <a:schemeClr val="accent1"/>
+          </a:lnRef>
+          <a:fillRef idx="0">
+            <a:schemeClr val="accent1"/>
+          </a:fillRef>
+          <a:effectRef idx="0">
+            <a:schemeClr val="accent1"/>
+          </a:effectRef>
+          <a:fontRef idx="minor">
+            <a:schemeClr val="tx1"/>
+          </a:fontRef>
+        </p:style>
+      </p:cxnSp>
+      <p:pic>
+        <p:nvPicPr>
+          <p:cNvPr id="45" name="Picture 44" descr="Shape&#10;&#10;Description automatically generated">
+            <a:extLst>
+              <a:ext uri="{FF2B5EF4-FFF2-40B4-BE49-F238E27FC236}">
+                <a16:creationId xmlns:a16="http://schemas.microsoft.com/office/drawing/2014/main" id="{574A654D-7C9A-4294-85DF-22390ACB31C0}"/>
+              </a:ext>
+            </a:extLst>
+          </p:cNvPr>
+          <p:cNvPicPr>
+            <a:picLocks noChangeAspect="1"/>
+          </p:cNvPicPr>
+          <p:nvPr/>
+        </p:nvPicPr>
+        <p:blipFill>
+          <a:blip r:embed="rId5">
+            <a:extLst>
+              <a:ext uri="{28A0092B-C50C-407E-A947-70E740481C1C}">
+                <a14:useLocalDpi xmlns:a14="http://schemas.microsoft.com/office/drawing/2010/main" val="0"/>
+              </a:ext>
+            </a:extLst>
+          </a:blip>
+          <a:stretch>
+            <a:fillRect/>
+          </a:stretch>
+        </p:blipFill>
+        <p:spPr>
+          <a:xfrm>
+            <a:off x="4097351" y="3113988"/>
+            <a:ext cx="270524" cy="155757"/>
+          </a:xfrm>
+          <a:prstGeom prst="rect">
+            <a:avLst/>
+          </a:prstGeom>
+        </p:spPr>
+      </p:pic>
+      <p:pic>
+        <p:nvPicPr>
+          <p:cNvPr id="46" name="Picture 45" descr="Shape&#10;&#10;Description automatically generated">
+            <a:extLst>
+              <a:ext uri="{FF2B5EF4-FFF2-40B4-BE49-F238E27FC236}">
+                <a16:creationId xmlns:a16="http://schemas.microsoft.com/office/drawing/2014/main" id="{C1736F73-00EE-4B32-9329-7DD6ED99B6B9}"/>
+              </a:ext>
+            </a:extLst>
+          </p:cNvPr>
+          <p:cNvPicPr>
+            <a:picLocks noChangeAspect="1"/>
+          </p:cNvPicPr>
+          <p:nvPr/>
+        </p:nvPicPr>
+        <p:blipFill>
+          <a:blip r:embed="rId5">
+            <a:extLst>
+              <a:ext uri="{28A0092B-C50C-407E-A947-70E740481C1C}">
+                <a14:useLocalDpi xmlns:a14="http://schemas.microsoft.com/office/drawing/2010/main" val="0"/>
+              </a:ext>
+            </a:extLst>
+          </a:blip>
+          <a:stretch>
+            <a:fillRect/>
+          </a:stretch>
+        </p:blipFill>
+        <p:spPr>
+          <a:xfrm>
+            <a:off x="8265446" y="3113987"/>
+            <a:ext cx="270524" cy="155757"/>
+          </a:xfrm>
+          <a:prstGeom prst="rect">
+            <a:avLst/>
+          </a:prstGeom>
+        </p:spPr>
+      </p:pic>
+      <p:sp>
+        <p:nvSpPr>
+          <p:cNvPr id="47" name="TextBox 46">
+            <a:extLst>
+              <a:ext uri="{FF2B5EF4-FFF2-40B4-BE49-F238E27FC236}">
+                <a16:creationId xmlns:a16="http://schemas.microsoft.com/office/drawing/2014/main" id="{9790B25C-1B51-4E63-9384-886C233CA015}"/>
+              </a:ext>
+            </a:extLst>
+          </p:cNvPr>
+          <p:cNvSpPr txBox="1"/>
+          <p:nvPr/>
+        </p:nvSpPr>
+        <p:spPr>
+          <a:xfrm>
+            <a:off x="3571189" y="3245886"/>
+            <a:ext cx="1463786" cy="923330"/>
+          </a:xfrm>
+          <a:prstGeom prst="rect">
+            <a:avLst/>
+          </a:prstGeom>
+          <a:noFill/>
+        </p:spPr>
+        <p:txBody>
+          <a:bodyPr wrap="square">
+            <a:spAutoFit/>
+          </a:bodyPr>
+          <a:lstStyle/>
+          <a:p>
+            <a:r>
+              <a:rPr lang="en-US" dirty="0"/>
+              <a:t>Submit form</a:t>
+            </a:r>
+          </a:p>
+          <a:p>
+            <a:r>
+              <a:rPr lang="en-US" dirty="0"/>
+              <a:t>Token A</a:t>
+            </a:r>
+          </a:p>
+          <a:p>
+            <a:endParaRPr lang="en-US" dirty="0"/>
+          </a:p>
+        </p:txBody>
+      </p:sp>
+      <p:sp>
+        <p:nvSpPr>
+          <p:cNvPr id="49" name="TextBox 48">
+            <a:extLst>
+              <a:ext uri="{FF2B5EF4-FFF2-40B4-BE49-F238E27FC236}">
+                <a16:creationId xmlns:a16="http://schemas.microsoft.com/office/drawing/2014/main" id="{D2A4605B-CEAB-45F8-93D5-4D0DE02CD2F3}"/>
+              </a:ext>
+            </a:extLst>
+          </p:cNvPr>
+          <p:cNvSpPr txBox="1"/>
+          <p:nvPr/>
+        </p:nvSpPr>
+        <p:spPr>
+          <a:xfrm>
+            <a:off x="7725026" y="3278127"/>
+            <a:ext cx="1435604" cy="646331"/>
+          </a:xfrm>
+          <a:prstGeom prst="rect">
+            <a:avLst/>
+          </a:prstGeom>
+          <a:noFill/>
+        </p:spPr>
+        <p:txBody>
+          <a:bodyPr wrap="square">
+            <a:spAutoFit/>
+          </a:bodyPr>
+          <a:lstStyle/>
+          <a:p>
+            <a:r>
+              <a:rPr lang="en-US" dirty="0"/>
+              <a:t>Submit form</a:t>
+            </a:r>
+          </a:p>
+          <a:p>
+            <a:r>
+              <a:rPr lang="en-US" dirty="0"/>
+              <a:t>Token B</a:t>
+            </a:r>
+          </a:p>
+        </p:txBody>
+      </p:sp>
+      <p:sp>
+        <p:nvSpPr>
+          <p:cNvPr id="29" name="TextBox 28">
+            <a:extLst>
+              <a:ext uri="{FF2B5EF4-FFF2-40B4-BE49-F238E27FC236}">
+                <a16:creationId xmlns:a16="http://schemas.microsoft.com/office/drawing/2014/main" id="{29D3C46D-6F7A-4A6F-8CEB-A2D88E7BC615}"/>
+              </a:ext>
+            </a:extLst>
+          </p:cNvPr>
+          <p:cNvSpPr txBox="1"/>
+          <p:nvPr/>
+        </p:nvSpPr>
+        <p:spPr>
+          <a:xfrm>
+            <a:off x="600075" y="504825"/>
+            <a:ext cx="1178528" cy="369332"/>
+          </a:xfrm>
+          <a:prstGeom prst="rect">
+            <a:avLst/>
+          </a:prstGeom>
+          <a:noFill/>
+        </p:spPr>
+        <p:txBody>
+          <a:bodyPr wrap="none" rtlCol="0">
+            <a:spAutoFit/>
+          </a:bodyPr>
+          <a:lstStyle/>
+          <a:p>
+            <a:r>
+              <a:rPr lang="en-US" dirty="0"/>
+              <a:t>Scenario B</a:t>
+            </a:r>
+          </a:p>
+        </p:txBody>
+      </p:sp>
+      <p:pic>
+        <p:nvPicPr>
+          <p:cNvPr id="3" name="Picture 2">
+            <a:extLst>
+              <a:ext uri="{FF2B5EF4-FFF2-40B4-BE49-F238E27FC236}">
+                <a16:creationId xmlns:a16="http://schemas.microsoft.com/office/drawing/2014/main" id="{AEF05EE6-78AF-416D-9712-46DC46B6E5ED}"/>
+              </a:ext>
+            </a:extLst>
+          </p:cNvPr>
+          <p:cNvPicPr>
+            <a:picLocks noChangeAspect="1"/>
+          </p:cNvPicPr>
+          <p:nvPr/>
+        </p:nvPicPr>
+        <p:blipFill>
+          <a:blip r:embed="rId9"/>
+          <a:stretch>
+            <a:fillRect/>
+          </a:stretch>
+        </p:blipFill>
+        <p:spPr>
+          <a:xfrm>
+            <a:off x="4179630" y="4368301"/>
+            <a:ext cx="4461378" cy="2387323"/>
+          </a:xfrm>
+          <a:prstGeom prst="rect">
+            <a:avLst/>
+          </a:prstGeom>
+        </p:spPr>
+      </p:pic>
+    </p:spTree>
+    <p:extLst>
+      <p:ext uri="{BB962C8B-B14F-4D97-AF65-F5344CB8AC3E}">
+        <p14:creationId xmlns:p14="http://schemas.microsoft.com/office/powerpoint/2010/main" val="730267904"/>
+      </p:ext>
+    </p:extLst>
+  </p:cSld>
+  <p:clrMapOvr>
+    <a:masterClrMapping/>
+  </p:clrMapOvr>
+</p:sld>
+</file>
+
 <file path=ppt/slides/slide2.xml><?xml version="1.0" encoding="utf-8"?>
 <p:sld xmlns:a="http://schemas.openxmlformats.org/drawingml/2006/main" xmlns:r="http://schemas.openxmlformats.org/officeDocument/2006/relationships" xmlns:p="http://schemas.openxmlformats.org/presentationml/2006/main">
   <p:cSld>
@@ -3856,6 +5538,30 @@
 <file path=ppt/slides/slide3.xml><?xml version="1.0" encoding="utf-8"?>
 <p:sld xmlns:a="http://schemas.openxmlformats.org/drawingml/2006/main" xmlns:r="http://schemas.openxmlformats.org/officeDocument/2006/relationships" xmlns:p="http://schemas.openxmlformats.org/presentationml/2006/main">
   <p:cSld>
+    <p:bg>
+      <p:bgPr>
+        <a:gradFill rotWithShape="1">
+          <a:gsLst>
+            <a:gs pos="0">
+              <a:schemeClr val="bg2">
+                <a:tint val="94000"/>
+                <a:satMod val="80000"/>
+                <a:lumMod val="106000"/>
+              </a:schemeClr>
+            </a:gs>
+            <a:gs pos="100000">
+              <a:schemeClr val="bg2">
+                <a:shade val="80000"/>
+              </a:schemeClr>
+            </a:gs>
+          </a:gsLst>
+          <a:path path="circle">
+            <a:fillToRect l="43000" r="43000" b="100000"/>
+          </a:path>
+        </a:gradFill>
+        <a:effectLst/>
+      </p:bgPr>
+    </p:bg>
     <p:spTree>
       <p:nvGrpSpPr>
         <p:cNvPr id="1" name=""/>
@@ -3872,121 +5578,270 @@
       </p:grpSpPr>
       <p:sp>
         <p:nvSpPr>
-          <p:cNvPr id="2" name="Title 1">
-            <a:extLst>
-              <a:ext uri="{FF2B5EF4-FFF2-40B4-BE49-F238E27FC236}">
-                <a16:creationId xmlns:a16="http://schemas.microsoft.com/office/drawing/2014/main" id="{E409F8D9-43DC-46EA-8991-472AE4E09B49}"/>
+          <p:cNvPr id="21" name="Rectangle 20">
+            <a:extLst>
+              <a:ext uri="{FF2B5EF4-FFF2-40B4-BE49-F238E27FC236}">
+                <a16:creationId xmlns:a16="http://schemas.microsoft.com/office/drawing/2014/main" id="{CDDE5CDF-1512-4CDA-B956-23D223F8DE44}"/>
+              </a:ext>
+              <a:ext uri="{C183D7F6-B498-43B3-948B-1728B52AA6E4}">
+                <adec:decorative xmlns:adec="http://schemas.microsoft.com/office/drawing/2017/decorative" val="1"/>
               </a:ext>
             </a:extLst>
           </p:cNvPr>
           <p:cNvSpPr>
-            <a:spLocks noGrp="1"/>
+            <a:spLocks noGrp="1" noRot="1" noChangeAspect="1" noMove="1" noResize="1" noEditPoints="1" noAdjustHandles="1" noChangeArrowheads="1" noChangeShapeType="1" noTextEdit="1"/>
           </p:cNvSpPr>
           <p:nvPr>
-            <p:ph type="title"/>
+            <p:extLst>
+              <p:ext uri="{386F3935-93C4-4BCD-93E2-E3B085C9AB24}">
+                <p16:designElem xmlns:p16="http://schemas.microsoft.com/office/powerpoint/2015/main" val="1"/>
+              </p:ext>
+            </p:extLst>
           </p:nvPr>
         </p:nvSpPr>
-        <p:spPr/>
-        <p:txBody>
-          <a:bodyPr/>
+        <p:spPr>
+          <a:xfrm>
+            <a:off x="0" y="2019476"/>
+            <a:ext cx="12192000" cy="4105941"/>
+          </a:xfrm>
+          <a:prstGeom prst="rect">
+            <a:avLst/>
+          </a:prstGeom>
+          <a:gradFill flip="none" rotWithShape="1">
+            <a:gsLst>
+              <a:gs pos="0">
+                <a:schemeClr val="bg2">
+                  <a:alpha val="0"/>
+                </a:schemeClr>
+              </a:gs>
+              <a:gs pos="100000">
+                <a:schemeClr val="bg2"/>
+              </a:gs>
+            </a:gsLst>
+            <a:lin ang="5400000" scaled="0"/>
+            <a:tileRect/>
+          </a:gradFill>
+          <a:ln>
+            <a:noFill/>
+          </a:ln>
+        </p:spPr>
+        <p:style>
+          <a:lnRef idx="2">
+            <a:schemeClr val="accent1">
+              <a:shade val="50000"/>
+            </a:schemeClr>
+          </a:lnRef>
+          <a:fillRef idx="1">
+            <a:schemeClr val="accent1"/>
+          </a:fillRef>
+          <a:effectRef idx="0">
+            <a:schemeClr val="accent1"/>
+          </a:effectRef>
+          <a:fontRef idx="minor">
+            <a:schemeClr val="lt1"/>
+          </a:fontRef>
+        </p:style>
+      </p:sp>
+      <p:pic>
+        <p:nvPicPr>
+          <p:cNvPr id="23" name="Picture 22">
+            <a:extLst>
+              <a:ext uri="{FF2B5EF4-FFF2-40B4-BE49-F238E27FC236}">
+                <a16:creationId xmlns:a16="http://schemas.microsoft.com/office/drawing/2014/main" id="{B029D7D8-5A6B-4C76-94C8-15798C6C5ADB}"/>
+              </a:ext>
+              <a:ext uri="{C183D7F6-B498-43B3-948B-1728B52AA6E4}">
+                <adec:decorative xmlns:adec="http://schemas.microsoft.com/office/drawing/2017/decorative" val="1"/>
+              </a:ext>
+            </a:extLst>
+          </p:cNvPr>
+          <p:cNvPicPr>
+            <a:picLocks noGrp="1" noRot="1" noChangeAspect="1" noMove="1" noResize="1" noEditPoints="1" noAdjustHandles="1" noChangeArrowheads="1" noChangeShapeType="1" noCrop="1"/>
+          </p:cNvPicPr>
+          <p:nvPr>
+            <p:extLst>
+              <p:ext uri="{386F3935-93C4-4BCD-93E2-E3B085C9AB24}">
+                <p16:designElem xmlns:p16="http://schemas.microsoft.com/office/powerpoint/2015/main" val="1"/>
+              </p:ext>
+            </p:extLst>
+          </p:nvPr>
+        </p:nvPicPr>
+        <p:blipFill rotWithShape="1">
+          <a:blip r:embed="rId2">
+            <a:extLst>
+              <a:ext uri="{28A0092B-C50C-407E-A947-70E740481C1C}">
+                <a14:useLocalDpi xmlns:a14="http://schemas.microsoft.com/office/drawing/2010/main" val="0"/>
+              </a:ext>
+            </a:extLst>
+          </a:blip>
+          <a:srcRect t="1538" b="-1538"/>
+          <a:stretch/>
+        </p:blipFill>
+        <p:spPr bwMode="black">
+          <a:xfrm>
+            <a:off x="0" y="6126480"/>
+            <a:ext cx="12192000" cy="742950"/>
+          </a:xfrm>
+          <a:prstGeom prst="rect">
+            <a:avLst/>
+          </a:prstGeom>
+        </p:spPr>
+      </p:pic>
+      <p:cxnSp>
+        <p:nvCxnSpPr>
+          <p:cNvPr id="25" name="Straight Connector 24">
+            <a:extLst>
+              <a:ext uri="{FF2B5EF4-FFF2-40B4-BE49-F238E27FC236}">
+                <a16:creationId xmlns:a16="http://schemas.microsoft.com/office/drawing/2014/main" id="{A5C9319C-E20D-4884-952F-60B6A58C3E34}"/>
+              </a:ext>
+              <a:ext uri="{C183D7F6-B498-43B3-948B-1728B52AA6E4}">
+                <adec:decorative xmlns:adec="http://schemas.microsoft.com/office/drawing/2017/decorative" val="1"/>
+              </a:ext>
+            </a:extLst>
+          </p:cNvPr>
+          <p:cNvCxnSpPr>
+            <a:cxnSpLocks noGrp="1" noRot="1" noChangeAspect="1" noMove="1" noResize="1" noEditPoints="1" noAdjustHandles="1" noChangeArrowheads="1" noChangeShapeType="1"/>
+          </p:cNvCxnSpPr>
+          <p:nvPr>
+            <p:extLst>
+              <p:ext uri="{386F3935-93C4-4BCD-93E2-E3B085C9AB24}">
+                <p16:designElem xmlns:p16="http://schemas.microsoft.com/office/powerpoint/2015/main" val="1"/>
+              </p:ext>
+            </p:extLst>
+          </p:nvPr>
+        </p:nvCxnSpPr>
+        <p:spPr>
+          <a:xfrm>
+            <a:off x="0" y="6128413"/>
+            <a:ext cx="12192000" cy="0"/>
+          </a:xfrm>
+          <a:prstGeom prst="line">
+            <a:avLst/>
+          </a:prstGeom>
+          <a:ln w="12700">
+            <a:solidFill>
+              <a:srgbClr val="000001">
+                <a:alpha val="20000"/>
+              </a:srgbClr>
+            </a:solidFill>
+          </a:ln>
+        </p:spPr>
+        <p:style>
+          <a:lnRef idx="1">
+            <a:schemeClr val="accent1"/>
+          </a:lnRef>
+          <a:fillRef idx="0">
+            <a:schemeClr val="accent1"/>
+          </a:fillRef>
+          <a:effectRef idx="0">
+            <a:schemeClr val="accent1"/>
+          </a:effectRef>
+          <a:fontRef idx="minor">
+            <a:schemeClr val="tx1"/>
+          </a:fontRef>
+        </p:style>
+      </p:cxnSp>
+      <p:sp useBgFill="1">
+        <p:nvSpPr>
+          <p:cNvPr id="27" name="Rectangle 26">
+            <a:extLst>
+              <a:ext uri="{FF2B5EF4-FFF2-40B4-BE49-F238E27FC236}">
+                <a16:creationId xmlns:a16="http://schemas.microsoft.com/office/drawing/2014/main" id="{62C9703D-C8F9-44AD-A7C0-C2F3871F8C1B}"/>
+              </a:ext>
+              <a:ext uri="{C183D7F6-B498-43B3-948B-1728B52AA6E4}">
+                <adec:decorative xmlns:adec="http://schemas.microsoft.com/office/drawing/2017/decorative" val="1"/>
+              </a:ext>
+            </a:extLst>
+          </p:cNvPr>
+          <p:cNvSpPr>
+            <a:spLocks noGrp="1" noRot="1" noChangeAspect="1" noMove="1" noResize="1" noEditPoints="1" noAdjustHandles="1" noChangeArrowheads="1" noChangeShapeType="1" noTextEdit="1"/>
+          </p:cNvSpPr>
+          <p:nvPr>
+            <p:extLst>
+              <p:ext uri="{386F3935-93C4-4BCD-93E2-E3B085C9AB24}">
+                <p16:designElem xmlns:p16="http://schemas.microsoft.com/office/powerpoint/2015/main" val="1"/>
+              </p:ext>
+            </p:extLst>
+          </p:nvPr>
+        </p:nvSpPr>
+        <p:spPr>
+          <a:xfrm>
+            <a:off x="0" y="0"/>
+            <a:ext cx="12192000" cy="6160168"/>
+          </a:xfrm>
+          <a:prstGeom prst="rect">
+            <a:avLst/>
+          </a:prstGeom>
+          <a:ln>
+            <a:noFill/>
+          </a:ln>
+        </p:spPr>
+        <p:style>
+          <a:lnRef idx="2">
+            <a:schemeClr val="accent1">
+              <a:shade val="50000"/>
+            </a:schemeClr>
+          </a:lnRef>
+          <a:fillRef idx="1">
+            <a:schemeClr val="accent1"/>
+          </a:fillRef>
+          <a:effectRef idx="0">
+            <a:schemeClr val="accent1"/>
+          </a:effectRef>
+          <a:fontRef idx="minor">
+            <a:schemeClr val="lt1"/>
+          </a:fontRef>
+        </p:style>
+        <p:txBody>
+          <a:bodyPr rtlCol="0" anchor="ctr"/>
           <a:lstStyle/>
           <a:p>
-            <a:r>
-              <a:rPr lang="en-US" dirty="0"/>
-              <a:t>Fake Transaction </a:t>
-            </a:r>
-          </a:p>
-        </p:txBody>
-      </p:sp>
-      <p:sp>
-        <p:nvSpPr>
-          <p:cNvPr id="3" name="Content Placeholder 2">
-            <a:extLst>
-              <a:ext uri="{FF2B5EF4-FFF2-40B4-BE49-F238E27FC236}">
-                <a16:creationId xmlns:a16="http://schemas.microsoft.com/office/drawing/2014/main" id="{042EBD63-8A43-4C27-B6F4-610C899C2AB7}"/>
-              </a:ext>
-            </a:extLst>
-          </p:cNvPr>
-          <p:cNvSpPr>
-            <a:spLocks noGrp="1"/>
-          </p:cNvSpPr>
+            <a:pPr algn="ctr"/>
+            <a:endParaRPr lang="en-US"/>
+          </a:p>
+        </p:txBody>
+      </p:sp>
+      <p:pic>
+        <p:nvPicPr>
+          <p:cNvPr id="9" name="Content Placeholder 8" descr="A picture containing logo&#10;&#10;Description automatically generated">
+            <a:extLst>
+              <a:ext uri="{FF2B5EF4-FFF2-40B4-BE49-F238E27FC236}">
+                <a16:creationId xmlns:a16="http://schemas.microsoft.com/office/drawing/2014/main" id="{75588400-096F-41F0-8456-8673ACDE9617}"/>
+              </a:ext>
+            </a:extLst>
+          </p:cNvPr>
+          <p:cNvPicPr>
+            <a:picLocks noGrp="1" noChangeAspect="1"/>
+          </p:cNvPicPr>
           <p:nvPr>
             <p:ph idx="1"/>
           </p:nvPr>
-        </p:nvSpPr>
-        <p:spPr/>
-        <p:txBody>
-          <a:bodyPr/>
-          <a:lstStyle/>
-          <a:p>
-            <a:r>
-              <a:rPr lang="en-US" dirty="0"/>
-              <a:t>Savings amount MYR 7000.00</a:t>
-            </a:r>
-          </a:p>
-          <a:p>
-            <a:r>
-              <a:rPr lang="en-US" dirty="0"/>
-              <a:t>But want to buy 2 items </a:t>
-            </a:r>
-            <a:r>
-              <a:rPr lang="en-US" b="1" dirty="0"/>
-              <a:t>PlayStation 5 and iPhone12 Pro Max? </a:t>
-            </a:r>
-          </a:p>
-          <a:p>
-            <a:r>
-              <a:rPr lang="en-US" b="1" dirty="0"/>
-              <a:t>PlayStation 5 = MYR2500.00 </a:t>
-            </a:r>
-          </a:p>
-          <a:p>
-            <a:r>
-              <a:rPr lang="en-US" b="1" dirty="0"/>
-              <a:t>iPhone12 Pro Max = MYR 6000.00</a:t>
-            </a:r>
-          </a:p>
-          <a:p>
-            <a:r>
-              <a:rPr lang="en-US" dirty="0"/>
-              <a:t>Insufficient Money? </a:t>
-            </a:r>
-            <a:endParaRPr lang="en-US" b="1" dirty="0"/>
-          </a:p>
-          <a:p>
-            <a:r>
-              <a:rPr lang="en-US" dirty="0"/>
-              <a:t>Let pay </a:t>
-            </a:r>
-            <a:r>
-              <a:rPr lang="en-US" b="1" dirty="0"/>
-              <a:t>MYR 2.00</a:t>
-            </a:r>
-            <a:r>
-              <a:rPr lang="en-US" dirty="0"/>
-              <a:t> to fake a receipt with </a:t>
-            </a:r>
-            <a:r>
-              <a:rPr lang="en-US" b="1" dirty="0"/>
-              <a:t>MYR 6000.00 and MYR 2500.00 </a:t>
-            </a:r>
-            <a:r>
-              <a:rPr lang="en-US" dirty="0"/>
-              <a:t>of transaction amount.</a:t>
-            </a:r>
-          </a:p>
-          <a:p>
-            <a:endParaRPr lang="en-US" dirty="0"/>
-          </a:p>
-          <a:p>
-            <a:endParaRPr lang="en-US" dirty="0"/>
-          </a:p>
-        </p:txBody>
-      </p:sp>
+        </p:nvPicPr>
+        <p:blipFill>
+          <a:blip r:embed="rId3">
+            <a:extLst>
+              <a:ext uri="{28A0092B-C50C-407E-A947-70E740481C1C}">
+                <a14:useLocalDpi xmlns:a14="http://schemas.microsoft.com/office/drawing/2010/main" val="0"/>
+              </a:ext>
+            </a:extLst>
+          </a:blip>
+          <a:stretch>
+            <a:fillRect/>
+          </a:stretch>
+        </p:blipFill>
+        <p:spPr>
+          <a:xfrm>
+            <a:off x="4487833" y="643467"/>
+            <a:ext cx="3216334" cy="4873234"/>
+          </a:xfrm>
+          <a:prstGeom prst="rect">
+            <a:avLst/>
+          </a:prstGeom>
+        </p:spPr>
+      </p:pic>
     </p:spTree>
     <p:extLst>
       <p:ext uri="{BB962C8B-B14F-4D97-AF65-F5344CB8AC3E}">
-        <p14:creationId xmlns:p14="http://schemas.microsoft.com/office/powerpoint/2010/main" val="957566777"/>
+        <p14:creationId xmlns:p14="http://schemas.microsoft.com/office/powerpoint/2010/main" val="2192712015"/>
       </p:ext>
     </p:extLst>
   </p:cSld>
@@ -3997,6 +5852,420 @@
 </file>
 
 <file path=ppt/slides/slide4.xml><?xml version="1.0" encoding="utf-8"?>
+<p:sld xmlns:a="http://schemas.openxmlformats.org/drawingml/2006/main" xmlns:r="http://schemas.openxmlformats.org/officeDocument/2006/relationships" xmlns:p="http://schemas.openxmlformats.org/presentationml/2006/main">
+  <p:cSld>
+    <p:spTree>
+      <p:nvGrpSpPr>
+        <p:cNvPr id="1" name=""/>
+        <p:cNvGrpSpPr/>
+        <p:nvPr/>
+      </p:nvGrpSpPr>
+      <p:grpSpPr>
+        <a:xfrm>
+          <a:off x="0" y="0"/>
+          <a:ext cx="0" cy="0"/>
+          <a:chOff x="0" y="0"/>
+          <a:chExt cx="0" cy="0"/>
+        </a:xfrm>
+      </p:grpSpPr>
+      <p:pic>
+        <p:nvPicPr>
+          <p:cNvPr id="9" name="Content Placeholder 8" descr="A picture containing logo&#10;&#10;Description automatically generated">
+            <a:extLst>
+              <a:ext uri="{FF2B5EF4-FFF2-40B4-BE49-F238E27FC236}">
+                <a16:creationId xmlns:a16="http://schemas.microsoft.com/office/drawing/2014/main" id="{75588400-096F-41F0-8456-8673ACDE9617}"/>
+              </a:ext>
+            </a:extLst>
+          </p:cNvPr>
+          <p:cNvPicPr>
+            <a:picLocks noGrp="1" noChangeAspect="1"/>
+          </p:cNvPicPr>
+          <p:nvPr>
+            <p:ph idx="1"/>
+          </p:nvPr>
+        </p:nvPicPr>
+        <p:blipFill>
+          <a:blip r:embed="rId2">
+            <a:extLst>
+              <a:ext uri="{28A0092B-C50C-407E-A947-70E740481C1C}">
+                <a14:useLocalDpi xmlns:a14="http://schemas.microsoft.com/office/drawing/2010/main" val="0"/>
+              </a:ext>
+            </a:extLst>
+          </a:blip>
+          <a:stretch>
+            <a:fillRect/>
+          </a:stretch>
+        </p:blipFill>
+        <p:spPr>
+          <a:xfrm>
+            <a:off x="4487833" y="643467"/>
+            <a:ext cx="3216334" cy="4873234"/>
+          </a:xfrm>
+          <a:prstGeom prst="rect">
+            <a:avLst/>
+          </a:prstGeom>
+        </p:spPr>
+      </p:pic>
+      <p:pic>
+        <p:nvPicPr>
+          <p:cNvPr id="7" name="Content Placeholder 4" descr="A person sitting on a table&#10;&#10;Description automatically generated">
+            <a:extLst>
+              <a:ext uri="{FF2B5EF4-FFF2-40B4-BE49-F238E27FC236}">
+                <a16:creationId xmlns:a16="http://schemas.microsoft.com/office/drawing/2014/main" id="{E25D1BC4-8F9D-4765-855B-0994DE93FA9D}"/>
+              </a:ext>
+            </a:extLst>
+          </p:cNvPr>
+          <p:cNvPicPr>
+            <a:picLocks noChangeAspect="1"/>
+          </p:cNvPicPr>
+          <p:nvPr/>
+        </p:nvPicPr>
+        <p:blipFill>
+          <a:blip r:embed="rId3">
+            <a:extLst>
+              <a:ext uri="{28A0092B-C50C-407E-A947-70E740481C1C}">
+                <a14:useLocalDpi xmlns:a14="http://schemas.microsoft.com/office/drawing/2010/main" val="0"/>
+              </a:ext>
+            </a:extLst>
+          </a:blip>
+          <a:stretch>
+            <a:fillRect/>
+          </a:stretch>
+        </p:blipFill>
+        <p:spPr>
+          <a:xfrm>
+            <a:off x="2360116" y="643467"/>
+            <a:ext cx="7471767" cy="4873235"/>
+          </a:xfrm>
+          <a:prstGeom prst="rect">
+            <a:avLst/>
+          </a:prstGeom>
+        </p:spPr>
+      </p:pic>
+    </p:spTree>
+    <p:extLst>
+      <p:ext uri="{BB962C8B-B14F-4D97-AF65-F5344CB8AC3E}">
+        <p14:creationId xmlns:p14="http://schemas.microsoft.com/office/powerpoint/2010/main" val="3477382656"/>
+      </p:ext>
+    </p:extLst>
+  </p:cSld>
+  <p:clrMapOvr>
+    <a:masterClrMapping/>
+  </p:clrMapOvr>
+</p:sld>
+</file>
+
+<file path=ppt/slides/slide5.xml><?xml version="1.0" encoding="utf-8"?>
+<p:sld xmlns:a="http://schemas.openxmlformats.org/drawingml/2006/main" xmlns:r="http://schemas.openxmlformats.org/officeDocument/2006/relationships" xmlns:p="http://schemas.openxmlformats.org/presentationml/2006/main">
+  <p:cSld>
+    <p:bg>
+      <p:bgPr>
+        <a:gradFill rotWithShape="1">
+          <a:gsLst>
+            <a:gs pos="0">
+              <a:schemeClr val="bg2">
+                <a:tint val="94000"/>
+                <a:satMod val="80000"/>
+                <a:lumMod val="106000"/>
+              </a:schemeClr>
+            </a:gs>
+            <a:gs pos="100000">
+              <a:schemeClr val="bg2">
+                <a:shade val="80000"/>
+              </a:schemeClr>
+            </a:gs>
+          </a:gsLst>
+          <a:path path="circle">
+            <a:fillToRect l="43000" r="43000" b="100000"/>
+          </a:path>
+        </a:gradFill>
+        <a:effectLst/>
+      </p:bgPr>
+    </p:bg>
+    <p:spTree>
+      <p:nvGrpSpPr>
+        <p:cNvPr id="1" name=""/>
+        <p:cNvGrpSpPr/>
+        <p:nvPr/>
+      </p:nvGrpSpPr>
+      <p:grpSpPr>
+        <a:xfrm>
+          <a:off x="0" y="0"/>
+          <a:ext cx="0" cy="0"/>
+          <a:chOff x="0" y="0"/>
+          <a:chExt cx="0" cy="0"/>
+        </a:xfrm>
+      </p:grpSpPr>
+      <p:sp>
+        <p:nvSpPr>
+          <p:cNvPr id="27" name="Rectangle 9">
+            <a:extLst>
+              <a:ext uri="{FF2B5EF4-FFF2-40B4-BE49-F238E27FC236}">
+                <a16:creationId xmlns:a16="http://schemas.microsoft.com/office/drawing/2014/main" id="{CDDE5CDF-1512-4CDA-B956-23D223F8DE44}"/>
+              </a:ext>
+              <a:ext uri="{C183D7F6-B498-43B3-948B-1728B52AA6E4}">
+                <adec:decorative xmlns:adec="http://schemas.microsoft.com/office/drawing/2017/decorative" val="1"/>
+              </a:ext>
+            </a:extLst>
+          </p:cNvPr>
+          <p:cNvSpPr>
+            <a:spLocks noGrp="1" noRot="1" noChangeAspect="1" noMove="1" noResize="1" noEditPoints="1" noAdjustHandles="1" noChangeArrowheads="1" noChangeShapeType="1" noTextEdit="1"/>
+          </p:cNvSpPr>
+          <p:nvPr>
+            <p:extLst>
+              <p:ext uri="{386F3935-93C4-4BCD-93E2-E3B085C9AB24}">
+                <p16:designElem xmlns:p16="http://schemas.microsoft.com/office/powerpoint/2015/main" val="1"/>
+              </p:ext>
+            </p:extLst>
+          </p:nvPr>
+        </p:nvSpPr>
+        <p:spPr>
+          <a:xfrm>
+            <a:off x="0" y="2019476"/>
+            <a:ext cx="12192000" cy="4105941"/>
+          </a:xfrm>
+          <a:prstGeom prst="rect">
+            <a:avLst/>
+          </a:prstGeom>
+          <a:gradFill flip="none" rotWithShape="1">
+            <a:gsLst>
+              <a:gs pos="0">
+                <a:schemeClr val="bg2">
+                  <a:alpha val="0"/>
+                </a:schemeClr>
+              </a:gs>
+              <a:gs pos="100000">
+                <a:schemeClr val="bg2"/>
+              </a:gs>
+            </a:gsLst>
+            <a:lin ang="5400000" scaled="0"/>
+            <a:tileRect/>
+          </a:gradFill>
+          <a:ln>
+            <a:noFill/>
+          </a:ln>
+        </p:spPr>
+        <p:style>
+          <a:lnRef idx="2">
+            <a:schemeClr val="accent1">
+              <a:shade val="50000"/>
+            </a:schemeClr>
+          </a:lnRef>
+          <a:fillRef idx="1">
+            <a:schemeClr val="accent1"/>
+          </a:fillRef>
+          <a:effectRef idx="0">
+            <a:schemeClr val="accent1"/>
+          </a:effectRef>
+          <a:fontRef idx="minor">
+            <a:schemeClr val="lt1"/>
+          </a:fontRef>
+        </p:style>
+      </p:sp>
+      <p:pic>
+        <p:nvPicPr>
+          <p:cNvPr id="12" name="Picture 11">
+            <a:extLst>
+              <a:ext uri="{FF2B5EF4-FFF2-40B4-BE49-F238E27FC236}">
+                <a16:creationId xmlns:a16="http://schemas.microsoft.com/office/drawing/2014/main" id="{B029D7D8-5A6B-4C76-94C8-15798C6C5ADB}"/>
+              </a:ext>
+              <a:ext uri="{C183D7F6-B498-43B3-948B-1728B52AA6E4}">
+                <adec:decorative xmlns:adec="http://schemas.microsoft.com/office/drawing/2017/decorative" val="1"/>
+              </a:ext>
+            </a:extLst>
+          </p:cNvPr>
+          <p:cNvPicPr>
+            <a:picLocks noGrp="1" noRot="1" noChangeAspect="1" noMove="1" noResize="1" noEditPoints="1" noAdjustHandles="1" noChangeArrowheads="1" noChangeShapeType="1" noCrop="1"/>
+          </p:cNvPicPr>
+          <p:nvPr>
+            <p:extLst>
+              <p:ext uri="{386F3935-93C4-4BCD-93E2-E3B085C9AB24}">
+                <p16:designElem xmlns:p16="http://schemas.microsoft.com/office/powerpoint/2015/main" val="1"/>
+              </p:ext>
+            </p:extLst>
+          </p:nvPr>
+        </p:nvPicPr>
+        <p:blipFill rotWithShape="1">
+          <a:blip r:embed="rId2">
+            <a:extLst>
+              <a:ext uri="{28A0092B-C50C-407E-A947-70E740481C1C}">
+                <a14:useLocalDpi xmlns:a14="http://schemas.microsoft.com/office/drawing/2010/main" val="0"/>
+              </a:ext>
+            </a:extLst>
+          </a:blip>
+          <a:srcRect t="1538" b="-1538"/>
+          <a:stretch/>
+        </p:blipFill>
+        <p:spPr bwMode="black">
+          <a:xfrm>
+            <a:off x="0" y="6126480"/>
+            <a:ext cx="12192000" cy="742950"/>
+          </a:xfrm>
+          <a:prstGeom prst="rect">
+            <a:avLst/>
+          </a:prstGeom>
+        </p:spPr>
+      </p:pic>
+      <p:cxnSp>
+        <p:nvCxnSpPr>
+          <p:cNvPr id="30" name="Straight Connector 13">
+            <a:extLst>
+              <a:ext uri="{FF2B5EF4-FFF2-40B4-BE49-F238E27FC236}">
+                <a16:creationId xmlns:a16="http://schemas.microsoft.com/office/drawing/2014/main" id="{A5C9319C-E20D-4884-952F-60B6A58C3E34}"/>
+              </a:ext>
+              <a:ext uri="{C183D7F6-B498-43B3-948B-1728B52AA6E4}">
+                <adec:decorative xmlns:adec="http://schemas.microsoft.com/office/drawing/2017/decorative" val="1"/>
+              </a:ext>
+            </a:extLst>
+          </p:cNvPr>
+          <p:cNvCxnSpPr>
+            <a:cxnSpLocks noGrp="1" noRot="1" noChangeAspect="1" noMove="1" noResize="1" noEditPoints="1" noAdjustHandles="1" noChangeArrowheads="1" noChangeShapeType="1"/>
+          </p:cNvCxnSpPr>
+          <p:nvPr>
+            <p:extLst>
+              <p:ext uri="{386F3935-93C4-4BCD-93E2-E3B085C9AB24}">
+                <p16:designElem xmlns:p16="http://schemas.microsoft.com/office/powerpoint/2015/main" val="1"/>
+              </p:ext>
+            </p:extLst>
+          </p:nvPr>
+        </p:nvCxnSpPr>
+        <p:spPr>
+          <a:xfrm>
+            <a:off x="0" y="6128413"/>
+            <a:ext cx="12192000" cy="0"/>
+          </a:xfrm>
+          <a:prstGeom prst="line">
+            <a:avLst/>
+          </a:prstGeom>
+          <a:ln w="12700">
+            <a:solidFill>
+              <a:srgbClr val="000001">
+                <a:alpha val="20000"/>
+              </a:srgbClr>
+            </a:solidFill>
+          </a:ln>
+        </p:spPr>
+        <p:style>
+          <a:lnRef idx="1">
+            <a:schemeClr val="accent1"/>
+          </a:lnRef>
+          <a:fillRef idx="0">
+            <a:schemeClr val="accent1"/>
+          </a:fillRef>
+          <a:effectRef idx="0">
+            <a:schemeClr val="accent1"/>
+          </a:effectRef>
+          <a:fontRef idx="minor">
+            <a:schemeClr val="tx1"/>
+          </a:fontRef>
+        </p:style>
+      </p:cxnSp>
+      <p:sp useBgFill="1">
+        <p:nvSpPr>
+          <p:cNvPr id="31" name="Rectangle 15">
+            <a:extLst>
+              <a:ext uri="{FF2B5EF4-FFF2-40B4-BE49-F238E27FC236}">
+                <a16:creationId xmlns:a16="http://schemas.microsoft.com/office/drawing/2014/main" id="{62C9703D-C8F9-44AD-A7C0-C2F3871F8C1B}"/>
+              </a:ext>
+              <a:ext uri="{C183D7F6-B498-43B3-948B-1728B52AA6E4}">
+                <adec:decorative xmlns:adec="http://schemas.microsoft.com/office/drawing/2017/decorative" val="1"/>
+              </a:ext>
+            </a:extLst>
+          </p:cNvPr>
+          <p:cNvSpPr>
+            <a:spLocks noGrp="1" noRot="1" noChangeAspect="1" noMove="1" noResize="1" noEditPoints="1" noAdjustHandles="1" noChangeArrowheads="1" noChangeShapeType="1" noTextEdit="1"/>
+          </p:cNvSpPr>
+          <p:nvPr>
+            <p:extLst>
+              <p:ext uri="{386F3935-93C4-4BCD-93E2-E3B085C9AB24}">
+                <p16:designElem xmlns:p16="http://schemas.microsoft.com/office/powerpoint/2015/main" val="1"/>
+              </p:ext>
+            </p:extLst>
+          </p:nvPr>
+        </p:nvSpPr>
+        <p:spPr>
+          <a:xfrm>
+            <a:off x="0" y="0"/>
+            <a:ext cx="12192000" cy="6160168"/>
+          </a:xfrm>
+          <a:prstGeom prst="rect">
+            <a:avLst/>
+          </a:prstGeom>
+          <a:ln>
+            <a:noFill/>
+          </a:ln>
+        </p:spPr>
+        <p:style>
+          <a:lnRef idx="2">
+            <a:schemeClr val="accent1">
+              <a:shade val="50000"/>
+            </a:schemeClr>
+          </a:lnRef>
+          <a:fillRef idx="1">
+            <a:schemeClr val="accent1"/>
+          </a:fillRef>
+          <a:effectRef idx="0">
+            <a:schemeClr val="accent1"/>
+          </a:effectRef>
+          <a:fontRef idx="minor">
+            <a:schemeClr val="lt1"/>
+          </a:fontRef>
+        </p:style>
+        <p:txBody>
+          <a:bodyPr rtlCol="0" anchor="ctr"/>
+          <a:lstStyle/>
+          <a:p>
+            <a:pPr algn="ctr"/>
+            <a:endParaRPr lang="en-US"/>
+          </a:p>
+        </p:txBody>
+      </p:sp>
+      <p:pic>
+        <p:nvPicPr>
+          <p:cNvPr id="5" name="Content Placeholder 4" descr="Graphical user interface, website&#10;&#10;Description automatically generated">
+            <a:extLst>
+              <a:ext uri="{FF2B5EF4-FFF2-40B4-BE49-F238E27FC236}">
+                <a16:creationId xmlns:a16="http://schemas.microsoft.com/office/drawing/2014/main" id="{B37704AD-E748-45B3-81F8-EBEF50DDCE6D}"/>
+              </a:ext>
+            </a:extLst>
+          </p:cNvPr>
+          <p:cNvPicPr>
+            <a:picLocks noGrp="1" noChangeAspect="1"/>
+          </p:cNvPicPr>
+          <p:nvPr>
+            <p:ph idx="1"/>
+          </p:nvPr>
+        </p:nvPicPr>
+        <p:blipFill>
+          <a:blip r:embed="rId3"/>
+          <a:stretch>
+            <a:fillRect/>
+          </a:stretch>
+        </p:blipFill>
+        <p:spPr>
+          <a:xfrm>
+            <a:off x="3254464" y="643467"/>
+            <a:ext cx="5683072" cy="4873234"/>
+          </a:xfrm>
+          <a:prstGeom prst="rect">
+            <a:avLst/>
+          </a:prstGeom>
+        </p:spPr>
+      </p:pic>
+    </p:spTree>
+    <p:extLst>
+      <p:ext uri="{BB962C8B-B14F-4D97-AF65-F5344CB8AC3E}">
+        <p14:creationId xmlns:p14="http://schemas.microsoft.com/office/powerpoint/2010/main" val="434067827"/>
+      </p:ext>
+    </p:extLst>
+  </p:cSld>
+  <p:clrMapOvr>
+    <a:masterClrMapping/>
+  </p:clrMapOvr>
+</p:sld>
+</file>
+
+<file path=ppt/slides/slide6.xml><?xml version="1.0" encoding="utf-8"?>
 <p:sld xmlns:a="http://schemas.openxmlformats.org/drawingml/2006/main" xmlns:r="http://schemas.openxmlformats.org/officeDocument/2006/relationships" xmlns:p="http://schemas.openxmlformats.org/presentationml/2006/main">
   <p:cSld>
     <p:spTree>
@@ -4373,7 +6642,7 @@
 </p:sld>
 </file>
 
-<file path=ppt/slides/slide5.xml><?xml version="1.0" encoding="utf-8"?>
+<file path=ppt/slides/slide7.xml><?xml version="1.0" encoding="utf-8"?>
 <p:sld xmlns:a="http://schemas.openxmlformats.org/drawingml/2006/main" xmlns:r="http://schemas.openxmlformats.org/officeDocument/2006/relationships" xmlns:p="http://schemas.openxmlformats.org/presentationml/2006/main" showMasterSp="0">
   <p:cSld>
     <p:bg>
@@ -5439,7 +7708,7 @@
 </p:sld>
 </file>
 
-<file path=ppt/slides/slide6.xml><?xml version="1.0" encoding="utf-8"?>
+<file path=ppt/slides/slide8.xml><?xml version="1.0" encoding="utf-8"?>
 <p:sld xmlns:a="http://schemas.openxmlformats.org/drawingml/2006/main" xmlns:r="http://schemas.openxmlformats.org/officeDocument/2006/relationships" xmlns:p="http://schemas.openxmlformats.org/presentationml/2006/main" showMasterSp="0">
   <p:cSld>
     <p:bg>
@@ -8041,7 +10310,7 @@
 </p:sld>
 </file>
 
-<file path=ppt/slides/slide7.xml><?xml version="1.0" encoding="utf-8"?>
+<file path=ppt/slides/slide9.xml><?xml version="1.0" encoding="utf-8"?>
 <p:sld xmlns:a="http://schemas.openxmlformats.org/drawingml/2006/main" xmlns:r="http://schemas.openxmlformats.org/officeDocument/2006/relationships" xmlns:p="http://schemas.openxmlformats.org/presentationml/2006/main">
   <p:cSld>
     <p:spTree>
@@ -8392,1686 +10661,6 @@
     <p:extLst>
       <p:ext uri="{BB962C8B-B14F-4D97-AF65-F5344CB8AC3E}">
         <p14:creationId xmlns:p14="http://schemas.microsoft.com/office/powerpoint/2010/main" val="3042689943"/>
-      </p:ext>
-    </p:extLst>
-  </p:cSld>
-  <p:clrMapOvr>
-    <a:masterClrMapping/>
-  </p:clrMapOvr>
-</p:sld>
-</file>
-
-<file path=ppt/slides/slide8.xml><?xml version="1.0" encoding="utf-8"?>
-<p:sld xmlns:a="http://schemas.openxmlformats.org/drawingml/2006/main" xmlns:r="http://schemas.openxmlformats.org/officeDocument/2006/relationships" xmlns:p="http://schemas.openxmlformats.org/presentationml/2006/main">
-  <p:cSld>
-    <p:spTree>
-      <p:nvGrpSpPr>
-        <p:cNvPr id="1" name=""/>
-        <p:cNvGrpSpPr/>
-        <p:nvPr/>
-      </p:nvGrpSpPr>
-      <p:grpSpPr>
-        <a:xfrm>
-          <a:off x="0" y="0"/>
-          <a:ext cx="0" cy="0"/>
-          <a:chOff x="0" y="0"/>
-          <a:chExt cx="0" cy="0"/>
-        </a:xfrm>
-      </p:grpSpPr>
-      <p:pic>
-        <p:nvPicPr>
-          <p:cNvPr id="5" name="Content Placeholder 4" descr="A picture containing shape&#10;&#10;Description automatically generated">
-            <a:extLst>
-              <a:ext uri="{FF2B5EF4-FFF2-40B4-BE49-F238E27FC236}">
-                <a16:creationId xmlns:a16="http://schemas.microsoft.com/office/drawing/2014/main" id="{015BC766-1309-4896-891A-88068529CB50}"/>
-              </a:ext>
-            </a:extLst>
-          </p:cNvPr>
-          <p:cNvPicPr>
-            <a:picLocks noGrp="1" noChangeAspect="1"/>
-          </p:cNvPicPr>
-          <p:nvPr>
-            <p:ph idx="1"/>
-          </p:nvPr>
-        </p:nvPicPr>
-        <p:blipFill>
-          <a:blip r:embed="rId2">
-            <a:extLst>
-              <a:ext uri="{28A0092B-C50C-407E-A947-70E740481C1C}">
-                <a14:useLocalDpi xmlns:a14="http://schemas.microsoft.com/office/drawing/2010/main" val="0"/>
-              </a:ext>
-            </a:extLst>
-          </a:blip>
-          <a:stretch>
-            <a:fillRect/>
-          </a:stretch>
-        </p:blipFill>
-        <p:spPr>
-          <a:xfrm>
-            <a:off x="1386769" y="1808009"/>
-            <a:ext cx="2140237" cy="2140237"/>
-          </a:xfrm>
-        </p:spPr>
-      </p:pic>
-      <p:pic>
-        <p:nvPicPr>
-          <p:cNvPr id="7" name="Picture 6" descr="A picture containing shape&#10;&#10;Description automatically generated">
-            <a:extLst>
-              <a:ext uri="{FF2B5EF4-FFF2-40B4-BE49-F238E27FC236}">
-                <a16:creationId xmlns:a16="http://schemas.microsoft.com/office/drawing/2014/main" id="{F4357E65-0456-426F-8F67-6DBCD0224D60}"/>
-              </a:ext>
-            </a:extLst>
-          </p:cNvPr>
-          <p:cNvPicPr>
-            <a:picLocks noChangeAspect="1"/>
-          </p:cNvPicPr>
-          <p:nvPr/>
-        </p:nvPicPr>
-        <p:blipFill>
-          <a:blip r:embed="rId3">
-            <a:extLst>
-              <a:ext uri="{28A0092B-C50C-407E-A947-70E740481C1C}">
-                <a14:useLocalDpi xmlns:a14="http://schemas.microsoft.com/office/drawing/2010/main" val="0"/>
-              </a:ext>
-            </a:extLst>
-          </a:blip>
-          <a:stretch>
-            <a:fillRect/>
-          </a:stretch>
-        </p:blipFill>
-        <p:spPr>
-          <a:xfrm>
-            <a:off x="5114925" y="1853754"/>
-            <a:ext cx="1679416" cy="1679416"/>
-          </a:xfrm>
-          <a:prstGeom prst="rect">
-            <a:avLst/>
-          </a:prstGeom>
-        </p:spPr>
-      </p:pic>
-      <p:pic>
-        <p:nvPicPr>
-          <p:cNvPr id="9" name="Picture 8" descr="A picture containing shape&#10;&#10;Description automatically generated">
-            <a:extLst>
-              <a:ext uri="{FF2B5EF4-FFF2-40B4-BE49-F238E27FC236}">
-                <a16:creationId xmlns:a16="http://schemas.microsoft.com/office/drawing/2014/main" id="{5B7495C5-D73B-4359-92BD-D2FC55AE2142}"/>
-              </a:ext>
-            </a:extLst>
-          </p:cNvPr>
-          <p:cNvPicPr>
-            <a:picLocks noChangeAspect="1"/>
-          </p:cNvPicPr>
-          <p:nvPr/>
-        </p:nvPicPr>
-        <p:blipFill>
-          <a:blip r:embed="rId4">
-            <a:extLst>
-              <a:ext uri="{28A0092B-C50C-407E-A947-70E740481C1C}">
-                <a14:useLocalDpi xmlns:a14="http://schemas.microsoft.com/office/drawing/2010/main" val="0"/>
-              </a:ext>
-            </a:extLst>
-          </a:blip>
-          <a:stretch>
-            <a:fillRect/>
-          </a:stretch>
-        </p:blipFill>
-        <p:spPr>
-          <a:xfrm>
-            <a:off x="8545575" y="1836777"/>
-            <a:ext cx="1851471" cy="1851471"/>
-          </a:xfrm>
-          <a:prstGeom prst="rect">
-            <a:avLst/>
-          </a:prstGeom>
-        </p:spPr>
-      </p:pic>
-      <p:cxnSp>
-        <p:nvCxnSpPr>
-          <p:cNvPr id="11" name="Straight Arrow Connector 10">
-            <a:extLst>
-              <a:ext uri="{FF2B5EF4-FFF2-40B4-BE49-F238E27FC236}">
-                <a16:creationId xmlns:a16="http://schemas.microsoft.com/office/drawing/2014/main" id="{14E595CF-E91E-4271-9BD3-54762DA3B3A0}"/>
-              </a:ext>
-            </a:extLst>
-          </p:cNvPr>
-          <p:cNvCxnSpPr>
-            <a:cxnSpLocks/>
-            <a:endCxn id="7" idx="1"/>
-          </p:cNvCxnSpPr>
-          <p:nvPr/>
-        </p:nvCxnSpPr>
-        <p:spPr>
-          <a:xfrm>
-            <a:off x="3527006" y="2693462"/>
-            <a:ext cx="1587919" cy="0"/>
-          </a:xfrm>
-          <a:prstGeom prst="straightConnector1">
-            <a:avLst/>
-          </a:prstGeom>
-          <a:ln>
-            <a:tailEnd type="triangle"/>
-          </a:ln>
-        </p:spPr>
-        <p:style>
-          <a:lnRef idx="1">
-            <a:schemeClr val="accent1"/>
-          </a:lnRef>
-          <a:fillRef idx="0">
-            <a:schemeClr val="accent1"/>
-          </a:fillRef>
-          <a:effectRef idx="0">
-            <a:schemeClr val="accent1"/>
-          </a:effectRef>
-          <a:fontRef idx="minor">
-            <a:schemeClr val="tx1"/>
-          </a:fontRef>
-        </p:style>
-      </p:cxnSp>
-      <p:cxnSp>
-        <p:nvCxnSpPr>
-          <p:cNvPr id="14" name="Straight Arrow Connector 13">
-            <a:extLst>
-              <a:ext uri="{FF2B5EF4-FFF2-40B4-BE49-F238E27FC236}">
-                <a16:creationId xmlns:a16="http://schemas.microsoft.com/office/drawing/2014/main" id="{D1563303-C094-429D-8C98-DE292A48694A}"/>
-              </a:ext>
-            </a:extLst>
-          </p:cNvPr>
-          <p:cNvCxnSpPr/>
-          <p:nvPr/>
-        </p:nvCxnSpPr>
-        <p:spPr>
-          <a:xfrm>
-            <a:off x="6894386" y="2693461"/>
-            <a:ext cx="1551144" cy="0"/>
-          </a:xfrm>
-          <a:prstGeom prst="straightConnector1">
-            <a:avLst/>
-          </a:prstGeom>
-          <a:ln>
-            <a:tailEnd type="triangle"/>
-          </a:ln>
-        </p:spPr>
-        <p:style>
-          <a:lnRef idx="1">
-            <a:schemeClr val="accent1"/>
-          </a:lnRef>
-          <a:fillRef idx="0">
-            <a:schemeClr val="accent1"/>
-          </a:fillRef>
-          <a:effectRef idx="0">
-            <a:schemeClr val="accent1"/>
-          </a:effectRef>
-          <a:fontRef idx="minor">
-            <a:schemeClr val="tx1"/>
-          </a:fontRef>
-        </p:style>
-      </p:cxnSp>
-      <p:pic>
-        <p:nvPicPr>
-          <p:cNvPr id="8" name="Picture 7" descr="Shape&#10;&#10;Description automatically generated">
-            <a:extLst>
-              <a:ext uri="{FF2B5EF4-FFF2-40B4-BE49-F238E27FC236}">
-                <a16:creationId xmlns:a16="http://schemas.microsoft.com/office/drawing/2014/main" id="{956896F1-CC62-4EF5-8148-FB446F6C3469}"/>
-              </a:ext>
-            </a:extLst>
-          </p:cNvPr>
-          <p:cNvPicPr>
-            <a:picLocks noChangeAspect="1"/>
-          </p:cNvPicPr>
-          <p:nvPr/>
-        </p:nvPicPr>
-        <p:blipFill>
-          <a:blip r:embed="rId5">
-            <a:extLst>
-              <a:ext uri="{28A0092B-C50C-407E-A947-70E740481C1C}">
-                <a14:useLocalDpi xmlns:a14="http://schemas.microsoft.com/office/drawing/2010/main" val="0"/>
-              </a:ext>
-            </a:extLst>
-          </a:blip>
-          <a:stretch>
-            <a:fillRect/>
-          </a:stretch>
-        </p:blipFill>
-        <p:spPr>
-          <a:xfrm>
-            <a:off x="4100915" y="2762512"/>
-            <a:ext cx="476876" cy="274566"/>
-          </a:xfrm>
-          <a:prstGeom prst="rect">
-            <a:avLst/>
-          </a:prstGeom>
-        </p:spPr>
-      </p:pic>
-      <p:pic>
-        <p:nvPicPr>
-          <p:cNvPr id="10" name="Picture 9" descr="Shape&#10;&#10;Description automatically generated">
-            <a:extLst>
-              <a:ext uri="{FF2B5EF4-FFF2-40B4-BE49-F238E27FC236}">
-                <a16:creationId xmlns:a16="http://schemas.microsoft.com/office/drawing/2014/main" id="{7B35F1A9-7A7E-4832-8191-EE552AB876D4}"/>
-              </a:ext>
-            </a:extLst>
-          </p:cNvPr>
-          <p:cNvPicPr>
-            <a:picLocks noChangeAspect="1"/>
-          </p:cNvPicPr>
-          <p:nvPr/>
-        </p:nvPicPr>
-        <p:blipFill>
-          <a:blip r:embed="rId5">
-            <a:extLst>
-              <a:ext uri="{28A0092B-C50C-407E-A947-70E740481C1C}">
-                <a14:useLocalDpi xmlns:a14="http://schemas.microsoft.com/office/drawing/2010/main" val="0"/>
-              </a:ext>
-            </a:extLst>
-          </a:blip>
-          <a:stretch>
-            <a:fillRect/>
-          </a:stretch>
-        </p:blipFill>
-        <p:spPr>
-          <a:xfrm>
-            <a:off x="7405296" y="2762512"/>
-            <a:ext cx="476876" cy="274566"/>
-          </a:xfrm>
-          <a:prstGeom prst="rect">
-            <a:avLst/>
-          </a:prstGeom>
-        </p:spPr>
-      </p:pic>
-      <p:sp>
-        <p:nvSpPr>
-          <p:cNvPr id="12" name="TextBox 11">
-            <a:extLst>
-              <a:ext uri="{FF2B5EF4-FFF2-40B4-BE49-F238E27FC236}">
-                <a16:creationId xmlns:a16="http://schemas.microsoft.com/office/drawing/2014/main" id="{9ABA36F0-13DD-4DB5-B0D4-A57DBA905158}"/>
-              </a:ext>
-            </a:extLst>
-          </p:cNvPr>
-          <p:cNvSpPr txBox="1"/>
-          <p:nvPr/>
-        </p:nvSpPr>
-        <p:spPr>
-          <a:xfrm>
-            <a:off x="4027094" y="3043855"/>
-            <a:ext cx="1175485" cy="369332"/>
-          </a:xfrm>
-          <a:prstGeom prst="rect">
-            <a:avLst/>
-          </a:prstGeom>
-          <a:noFill/>
-        </p:spPr>
-        <p:txBody>
-          <a:bodyPr wrap="square">
-            <a:spAutoFit/>
-          </a:bodyPr>
-          <a:lstStyle/>
-          <a:p>
-            <a:r>
-              <a:rPr lang="en-US" dirty="0"/>
-              <a:t>I love you </a:t>
-            </a:r>
-          </a:p>
-        </p:txBody>
-      </p:sp>
-      <p:sp>
-        <p:nvSpPr>
-          <p:cNvPr id="13" name="TextBox 12">
-            <a:extLst>
-              <a:ext uri="{FF2B5EF4-FFF2-40B4-BE49-F238E27FC236}">
-                <a16:creationId xmlns:a16="http://schemas.microsoft.com/office/drawing/2014/main" id="{8180D476-DA68-436D-9830-5E4CF4D32A68}"/>
-              </a:ext>
-            </a:extLst>
-          </p:cNvPr>
-          <p:cNvSpPr txBox="1"/>
-          <p:nvPr/>
-        </p:nvSpPr>
-        <p:spPr>
-          <a:xfrm>
-            <a:off x="7294429" y="3037078"/>
-            <a:ext cx="1175485" cy="369332"/>
-          </a:xfrm>
-          <a:prstGeom prst="rect">
-            <a:avLst/>
-          </a:prstGeom>
-          <a:noFill/>
-        </p:spPr>
-        <p:txBody>
-          <a:bodyPr wrap="square">
-            <a:spAutoFit/>
-          </a:bodyPr>
-          <a:lstStyle/>
-          <a:p>
-            <a:r>
-              <a:rPr lang="en-US" dirty="0"/>
-              <a:t>I hate you </a:t>
-            </a:r>
-          </a:p>
-        </p:txBody>
-      </p:sp>
-      <p:sp>
-        <p:nvSpPr>
-          <p:cNvPr id="3" name="TextBox 2">
-            <a:extLst>
-              <a:ext uri="{FF2B5EF4-FFF2-40B4-BE49-F238E27FC236}">
-                <a16:creationId xmlns:a16="http://schemas.microsoft.com/office/drawing/2014/main" id="{77CDFB39-E235-49F9-A6FF-7C494744AD38}"/>
-              </a:ext>
-            </a:extLst>
-          </p:cNvPr>
-          <p:cNvSpPr txBox="1"/>
-          <p:nvPr/>
-        </p:nvSpPr>
-        <p:spPr>
-          <a:xfrm>
-            <a:off x="2224197" y="3688248"/>
-            <a:ext cx="538930" cy="369332"/>
-          </a:xfrm>
-          <a:prstGeom prst="rect">
-            <a:avLst/>
-          </a:prstGeom>
-          <a:noFill/>
-        </p:spPr>
-        <p:txBody>
-          <a:bodyPr wrap="none" rtlCol="0">
-            <a:spAutoFit/>
-          </a:bodyPr>
-          <a:lstStyle/>
-          <a:p>
-            <a:r>
-              <a:rPr lang="en-US" dirty="0"/>
-              <a:t>Me </a:t>
-            </a:r>
-          </a:p>
-        </p:txBody>
-      </p:sp>
-      <p:sp>
-        <p:nvSpPr>
-          <p:cNvPr id="15" name="TextBox 14">
-            <a:extLst>
-              <a:ext uri="{FF2B5EF4-FFF2-40B4-BE49-F238E27FC236}">
-                <a16:creationId xmlns:a16="http://schemas.microsoft.com/office/drawing/2014/main" id="{4DE778C4-7D15-457B-AA06-AD33B9C7A8A0}"/>
-              </a:ext>
-            </a:extLst>
-          </p:cNvPr>
-          <p:cNvSpPr txBox="1"/>
-          <p:nvPr/>
-        </p:nvSpPr>
-        <p:spPr>
-          <a:xfrm>
-            <a:off x="5574543" y="3763580"/>
-            <a:ext cx="1042914" cy="369332"/>
-          </a:xfrm>
-          <a:prstGeom prst="rect">
-            <a:avLst/>
-          </a:prstGeom>
-          <a:noFill/>
-        </p:spPr>
-        <p:txBody>
-          <a:bodyPr wrap="none" rtlCol="0">
-            <a:spAutoFit/>
-          </a:bodyPr>
-          <a:lstStyle/>
-          <a:p>
-            <a:r>
-              <a:rPr lang="en-US" dirty="0"/>
-              <a:t>Postman </a:t>
-            </a:r>
-          </a:p>
-        </p:txBody>
-      </p:sp>
-      <p:sp>
-        <p:nvSpPr>
-          <p:cNvPr id="16" name="TextBox 15">
-            <a:extLst>
-              <a:ext uri="{FF2B5EF4-FFF2-40B4-BE49-F238E27FC236}">
-                <a16:creationId xmlns:a16="http://schemas.microsoft.com/office/drawing/2014/main" id="{02ED3EDB-F1C4-4A3E-9281-D00EB4D79D38}"/>
-              </a:ext>
-            </a:extLst>
-          </p:cNvPr>
-          <p:cNvSpPr txBox="1"/>
-          <p:nvPr/>
-        </p:nvSpPr>
-        <p:spPr>
-          <a:xfrm>
-            <a:off x="9136923" y="3763580"/>
-            <a:ext cx="758541" cy="646331"/>
-          </a:xfrm>
-          <a:prstGeom prst="rect">
-            <a:avLst/>
-          </a:prstGeom>
-          <a:noFill/>
-        </p:spPr>
-        <p:txBody>
-          <a:bodyPr wrap="none" rtlCol="0">
-            <a:spAutoFit/>
-          </a:bodyPr>
-          <a:lstStyle/>
-          <a:p>
-            <a:r>
-              <a:rPr lang="en-US" dirty="0"/>
-              <a:t>Crush</a:t>
-            </a:r>
-          </a:p>
-          <a:p>
-            <a:r>
-              <a:rPr lang="en-US" dirty="0"/>
-              <a:t> </a:t>
-            </a:r>
-          </a:p>
-        </p:txBody>
-      </p:sp>
-      <p:cxnSp>
-        <p:nvCxnSpPr>
-          <p:cNvPr id="4" name="Straight Arrow Connector 3">
-            <a:extLst>
-              <a:ext uri="{FF2B5EF4-FFF2-40B4-BE49-F238E27FC236}">
-                <a16:creationId xmlns:a16="http://schemas.microsoft.com/office/drawing/2014/main" id="{09683171-2EFB-4947-8C12-D63E0FA0E575}"/>
-              </a:ext>
-            </a:extLst>
-          </p:cNvPr>
-          <p:cNvCxnSpPr/>
-          <p:nvPr/>
-        </p:nvCxnSpPr>
-        <p:spPr>
-          <a:xfrm>
-            <a:off x="5947795" y="1182848"/>
-            <a:ext cx="0" cy="553673"/>
-          </a:xfrm>
-          <a:prstGeom prst="straightConnector1">
-            <a:avLst/>
-          </a:prstGeom>
-          <a:ln>
-            <a:tailEnd type="triangle"/>
-          </a:ln>
-        </p:spPr>
-        <p:style>
-          <a:lnRef idx="1">
-            <a:schemeClr val="accent1"/>
-          </a:lnRef>
-          <a:fillRef idx="0">
-            <a:schemeClr val="accent1"/>
-          </a:fillRef>
-          <a:effectRef idx="0">
-            <a:schemeClr val="accent1"/>
-          </a:effectRef>
-          <a:fontRef idx="minor">
-            <a:schemeClr val="tx1"/>
-          </a:fontRef>
-        </p:style>
-      </p:cxnSp>
-      <p:sp>
-        <p:nvSpPr>
-          <p:cNvPr id="6" name="TextBox 5">
-            <a:extLst>
-              <a:ext uri="{FF2B5EF4-FFF2-40B4-BE49-F238E27FC236}">
-                <a16:creationId xmlns:a16="http://schemas.microsoft.com/office/drawing/2014/main" id="{DD9776C7-0BE4-498C-899B-1383F972F6B0}"/>
-              </a:ext>
-            </a:extLst>
-          </p:cNvPr>
-          <p:cNvSpPr txBox="1"/>
-          <p:nvPr/>
-        </p:nvSpPr>
-        <p:spPr>
-          <a:xfrm>
-            <a:off x="4182320" y="676233"/>
-            <a:ext cx="4382995" cy="369332"/>
-          </a:xfrm>
-          <a:prstGeom prst="rect">
-            <a:avLst/>
-          </a:prstGeom>
-          <a:noFill/>
-        </p:spPr>
-        <p:txBody>
-          <a:bodyPr wrap="none" rtlCol="0">
-            <a:spAutoFit/>
-          </a:bodyPr>
-          <a:lstStyle/>
-          <a:p>
-            <a:r>
-              <a:rPr lang="en-US" dirty="0"/>
-              <a:t>Ask POSTMAN/FRIEND to deliver my letter</a:t>
-            </a:r>
-          </a:p>
-        </p:txBody>
-      </p:sp>
-      <p:sp>
-        <p:nvSpPr>
-          <p:cNvPr id="17" name="TextBox 16">
-            <a:extLst>
-              <a:ext uri="{FF2B5EF4-FFF2-40B4-BE49-F238E27FC236}">
-                <a16:creationId xmlns:a16="http://schemas.microsoft.com/office/drawing/2014/main" id="{93F2A3C4-4052-4033-9124-D4D93B3FC871}"/>
-              </a:ext>
-            </a:extLst>
-          </p:cNvPr>
-          <p:cNvSpPr txBox="1"/>
-          <p:nvPr/>
-        </p:nvSpPr>
-        <p:spPr>
-          <a:xfrm>
-            <a:off x="600075" y="504825"/>
-            <a:ext cx="1178528" cy="369332"/>
-          </a:xfrm>
-          <a:prstGeom prst="rect">
-            <a:avLst/>
-          </a:prstGeom>
-          <a:noFill/>
-        </p:spPr>
-        <p:txBody>
-          <a:bodyPr wrap="none" rtlCol="0">
-            <a:spAutoFit/>
-          </a:bodyPr>
-          <a:lstStyle/>
-          <a:p>
-            <a:r>
-              <a:rPr lang="en-US" dirty="0"/>
-              <a:t>Scenario B</a:t>
-            </a:r>
-          </a:p>
-        </p:txBody>
-      </p:sp>
-      <p:pic>
-        <p:nvPicPr>
-          <p:cNvPr id="18" name="Picture 17">
-            <a:extLst>
-              <a:ext uri="{FF2B5EF4-FFF2-40B4-BE49-F238E27FC236}">
-                <a16:creationId xmlns:a16="http://schemas.microsoft.com/office/drawing/2014/main" id="{441335B6-39DE-4FBA-AE11-9DB69BC0332F}"/>
-              </a:ext>
-            </a:extLst>
-          </p:cNvPr>
-          <p:cNvPicPr>
-            <a:picLocks noChangeAspect="1"/>
-          </p:cNvPicPr>
-          <p:nvPr/>
-        </p:nvPicPr>
-        <p:blipFill rotWithShape="1">
-          <a:blip r:embed="rId6"/>
-          <a:srcRect t="40832"/>
-          <a:stretch/>
-        </p:blipFill>
-        <p:spPr>
-          <a:xfrm>
-            <a:off x="2224197" y="4298638"/>
-            <a:ext cx="7844401" cy="2483640"/>
-          </a:xfrm>
-          <a:prstGeom prst="rect">
-            <a:avLst/>
-          </a:prstGeom>
-        </p:spPr>
-      </p:pic>
-      <p:cxnSp>
-        <p:nvCxnSpPr>
-          <p:cNvPr id="22" name="Straight Arrow Connector 21">
-            <a:extLst>
-              <a:ext uri="{FF2B5EF4-FFF2-40B4-BE49-F238E27FC236}">
-                <a16:creationId xmlns:a16="http://schemas.microsoft.com/office/drawing/2014/main" id="{3B06FB8F-8A35-44C3-9AA8-F528D9FC4D9E}"/>
-              </a:ext>
-            </a:extLst>
-          </p:cNvPr>
-          <p:cNvCxnSpPr>
-            <a:cxnSpLocks/>
-          </p:cNvCxnSpPr>
-          <p:nvPr/>
-        </p:nvCxnSpPr>
-        <p:spPr>
-          <a:xfrm>
-            <a:off x="4577791" y="3533170"/>
-            <a:ext cx="364000" cy="694009"/>
-          </a:xfrm>
-          <a:prstGeom prst="straightConnector1">
-            <a:avLst/>
-          </a:prstGeom>
-          <a:ln w="76200">
-            <a:tailEnd type="triangle"/>
-          </a:ln>
-        </p:spPr>
-        <p:style>
-          <a:lnRef idx="3">
-            <a:schemeClr val="dk1"/>
-          </a:lnRef>
-          <a:fillRef idx="0">
-            <a:schemeClr val="dk1"/>
-          </a:fillRef>
-          <a:effectRef idx="2">
-            <a:schemeClr val="dk1"/>
-          </a:effectRef>
-          <a:fontRef idx="minor">
-            <a:schemeClr val="tx1"/>
-          </a:fontRef>
-        </p:style>
-      </p:cxnSp>
-      <p:cxnSp>
-        <p:nvCxnSpPr>
-          <p:cNvPr id="23" name="Straight Arrow Connector 22">
-            <a:extLst>
-              <a:ext uri="{FF2B5EF4-FFF2-40B4-BE49-F238E27FC236}">
-                <a16:creationId xmlns:a16="http://schemas.microsoft.com/office/drawing/2014/main" id="{B03F2962-343A-412A-9BB5-FB1724F09E4E}"/>
-              </a:ext>
-            </a:extLst>
-          </p:cNvPr>
-          <p:cNvCxnSpPr>
-            <a:cxnSpLocks/>
-          </p:cNvCxnSpPr>
-          <p:nvPr/>
-        </p:nvCxnSpPr>
-        <p:spPr>
-          <a:xfrm flipH="1">
-            <a:off x="7294429" y="3381822"/>
-            <a:ext cx="332248" cy="910039"/>
-          </a:xfrm>
-          <a:prstGeom prst="straightConnector1">
-            <a:avLst/>
-          </a:prstGeom>
-          <a:ln w="76200">
-            <a:tailEnd type="triangle"/>
-          </a:ln>
-        </p:spPr>
-        <p:style>
-          <a:lnRef idx="3">
-            <a:schemeClr val="dk1"/>
-          </a:lnRef>
-          <a:fillRef idx="0">
-            <a:schemeClr val="dk1"/>
-          </a:fillRef>
-          <a:effectRef idx="2">
-            <a:schemeClr val="dk1"/>
-          </a:effectRef>
-          <a:fontRef idx="minor">
-            <a:schemeClr val="tx1"/>
-          </a:fontRef>
-        </p:style>
-      </p:cxnSp>
-    </p:spTree>
-    <p:extLst>
-      <p:ext uri="{BB962C8B-B14F-4D97-AF65-F5344CB8AC3E}">
-        <p14:creationId xmlns:p14="http://schemas.microsoft.com/office/powerpoint/2010/main" val="5055789"/>
-      </p:ext>
-    </p:extLst>
-  </p:cSld>
-  <p:clrMapOvr>
-    <a:masterClrMapping/>
-  </p:clrMapOvr>
-</p:sld>
-</file>
-
-<file path=ppt/slides/slide9.xml><?xml version="1.0" encoding="utf-8"?>
-<p:sld xmlns:a="http://schemas.openxmlformats.org/drawingml/2006/main" xmlns:r="http://schemas.openxmlformats.org/officeDocument/2006/relationships" xmlns:p="http://schemas.openxmlformats.org/presentationml/2006/main">
-  <p:cSld>
-    <p:spTree>
-      <p:nvGrpSpPr>
-        <p:cNvPr id="1" name=""/>
-        <p:cNvGrpSpPr/>
-        <p:nvPr/>
-      </p:nvGrpSpPr>
-      <p:grpSpPr>
-        <a:xfrm>
-          <a:off x="0" y="0"/>
-          <a:ext cx="0" cy="0"/>
-          <a:chOff x="0" y="0"/>
-          <a:chExt cx="0" cy="0"/>
-        </a:xfrm>
-      </p:grpSpPr>
-      <p:pic>
-        <p:nvPicPr>
-          <p:cNvPr id="17" name="Content Placeholder 4" descr="A picture containing shape&#10;&#10;Description automatically generated">
-            <a:extLst>
-              <a:ext uri="{FF2B5EF4-FFF2-40B4-BE49-F238E27FC236}">
-                <a16:creationId xmlns:a16="http://schemas.microsoft.com/office/drawing/2014/main" id="{FC88D8AE-4E73-4B22-BCDC-888251E7F0A9}"/>
-              </a:ext>
-            </a:extLst>
-          </p:cNvPr>
-          <p:cNvPicPr>
-            <a:picLocks noGrp="1" noChangeAspect="1"/>
-          </p:cNvPicPr>
-          <p:nvPr>
-            <p:ph idx="1"/>
-          </p:nvPr>
-        </p:nvPicPr>
-        <p:blipFill>
-          <a:blip r:embed="rId2">
-            <a:extLst>
-              <a:ext uri="{28A0092B-C50C-407E-A947-70E740481C1C}">
-                <a14:useLocalDpi xmlns:a14="http://schemas.microsoft.com/office/drawing/2010/main" val="0"/>
-              </a:ext>
-            </a:extLst>
-          </a:blip>
-          <a:stretch>
-            <a:fillRect/>
-          </a:stretch>
-        </p:blipFill>
-        <p:spPr>
-          <a:xfrm>
-            <a:off x="2527135" y="175404"/>
-            <a:ext cx="1214120" cy="1214120"/>
-          </a:xfrm>
-        </p:spPr>
-      </p:pic>
-      <p:pic>
-        <p:nvPicPr>
-          <p:cNvPr id="18" name="Picture 17" descr="A picture containing shape&#10;&#10;Description automatically generated">
-            <a:extLst>
-              <a:ext uri="{FF2B5EF4-FFF2-40B4-BE49-F238E27FC236}">
-                <a16:creationId xmlns:a16="http://schemas.microsoft.com/office/drawing/2014/main" id="{869B3AF3-116C-418B-9637-2526CCF89C8A}"/>
-              </a:ext>
-            </a:extLst>
-          </p:cNvPr>
-          <p:cNvPicPr>
-            <a:picLocks noChangeAspect="1"/>
-          </p:cNvPicPr>
-          <p:nvPr/>
-        </p:nvPicPr>
-        <p:blipFill>
-          <a:blip r:embed="rId3">
-            <a:extLst>
-              <a:ext uri="{28A0092B-C50C-407E-A947-70E740481C1C}">
-                <a14:useLocalDpi xmlns:a14="http://schemas.microsoft.com/office/drawing/2010/main" val="0"/>
-              </a:ext>
-            </a:extLst>
-          </a:blip>
-          <a:stretch>
-            <a:fillRect/>
-          </a:stretch>
-        </p:blipFill>
-        <p:spPr>
-          <a:xfrm>
-            <a:off x="5494397" y="172932"/>
-            <a:ext cx="952704" cy="952704"/>
-          </a:xfrm>
-          <a:prstGeom prst="rect">
-            <a:avLst/>
-          </a:prstGeom>
-        </p:spPr>
-      </p:pic>
-      <p:pic>
-        <p:nvPicPr>
-          <p:cNvPr id="19" name="Picture 18" descr="A picture containing shape&#10;&#10;Description automatically generated">
-            <a:extLst>
-              <a:ext uri="{FF2B5EF4-FFF2-40B4-BE49-F238E27FC236}">
-                <a16:creationId xmlns:a16="http://schemas.microsoft.com/office/drawing/2014/main" id="{B87A6A5D-9BEC-42FC-8188-CFC197206474}"/>
-              </a:ext>
-            </a:extLst>
-          </p:cNvPr>
-          <p:cNvPicPr>
-            <a:picLocks noChangeAspect="1"/>
-          </p:cNvPicPr>
-          <p:nvPr/>
-        </p:nvPicPr>
-        <p:blipFill>
-          <a:blip r:embed="rId4">
-            <a:extLst>
-              <a:ext uri="{28A0092B-C50C-407E-A947-70E740481C1C}">
-                <a14:useLocalDpi xmlns:a14="http://schemas.microsoft.com/office/drawing/2010/main" val="0"/>
-              </a:ext>
-            </a:extLst>
-          </a:blip>
-          <a:stretch>
-            <a:fillRect/>
-          </a:stretch>
-        </p:blipFill>
-        <p:spPr>
-          <a:xfrm>
-            <a:off x="8265446" y="181290"/>
-            <a:ext cx="1050308" cy="1050308"/>
-          </a:xfrm>
-          <a:prstGeom prst="rect">
-            <a:avLst/>
-          </a:prstGeom>
-        </p:spPr>
-      </p:pic>
-      <p:cxnSp>
-        <p:nvCxnSpPr>
-          <p:cNvPr id="21" name="Straight Arrow Connector 20">
-            <a:extLst>
-              <a:ext uri="{FF2B5EF4-FFF2-40B4-BE49-F238E27FC236}">
-                <a16:creationId xmlns:a16="http://schemas.microsoft.com/office/drawing/2014/main" id="{E58B30C6-D35F-498E-B082-B4D2E15CD440}"/>
-              </a:ext>
-            </a:extLst>
-          </p:cNvPr>
-          <p:cNvCxnSpPr>
-            <a:cxnSpLocks/>
-          </p:cNvCxnSpPr>
-          <p:nvPr/>
-        </p:nvCxnSpPr>
-        <p:spPr>
-          <a:xfrm flipV="1">
-            <a:off x="6959152" y="706444"/>
-            <a:ext cx="879938" cy="1"/>
-          </a:xfrm>
-          <a:prstGeom prst="straightConnector1">
-            <a:avLst/>
-          </a:prstGeom>
-          <a:ln>
-            <a:tailEnd type="triangle"/>
-          </a:ln>
-        </p:spPr>
-        <p:style>
-          <a:lnRef idx="1">
-            <a:schemeClr val="accent1"/>
-          </a:lnRef>
-          <a:fillRef idx="0">
-            <a:schemeClr val="accent1"/>
-          </a:fillRef>
-          <a:effectRef idx="0">
-            <a:schemeClr val="accent1"/>
-          </a:effectRef>
-          <a:fontRef idx="minor">
-            <a:schemeClr val="tx1"/>
-          </a:fontRef>
-        </p:style>
-      </p:cxnSp>
-      <p:pic>
-        <p:nvPicPr>
-          <p:cNvPr id="22" name="Picture 21" descr="Shape&#10;&#10;Description automatically generated">
-            <a:extLst>
-              <a:ext uri="{FF2B5EF4-FFF2-40B4-BE49-F238E27FC236}">
-                <a16:creationId xmlns:a16="http://schemas.microsoft.com/office/drawing/2014/main" id="{B1ADBC8F-0BC5-4CE7-83ED-47B11A2BC9E5}"/>
-              </a:ext>
-            </a:extLst>
-          </p:cNvPr>
-          <p:cNvPicPr>
-            <a:picLocks noChangeAspect="1"/>
-          </p:cNvPicPr>
-          <p:nvPr/>
-        </p:nvPicPr>
-        <p:blipFill>
-          <a:blip r:embed="rId5">
-            <a:extLst>
-              <a:ext uri="{28A0092B-C50C-407E-A947-70E740481C1C}">
-                <a14:useLocalDpi xmlns:a14="http://schemas.microsoft.com/office/drawing/2010/main" val="0"/>
-              </a:ext>
-            </a:extLst>
-          </a:blip>
-          <a:stretch>
-            <a:fillRect/>
-          </a:stretch>
-        </p:blipFill>
-        <p:spPr>
-          <a:xfrm>
-            <a:off x="4107683" y="845871"/>
-            <a:ext cx="270524" cy="155757"/>
-          </a:xfrm>
-          <a:prstGeom prst="rect">
-            <a:avLst/>
-          </a:prstGeom>
-        </p:spPr>
-      </p:pic>
-      <p:pic>
-        <p:nvPicPr>
-          <p:cNvPr id="23" name="Picture 22" descr="Shape&#10;&#10;Description automatically generated">
-            <a:extLst>
-              <a:ext uri="{FF2B5EF4-FFF2-40B4-BE49-F238E27FC236}">
-                <a16:creationId xmlns:a16="http://schemas.microsoft.com/office/drawing/2014/main" id="{6DBB1269-C8B6-437A-BB7E-DD42E3605F69}"/>
-              </a:ext>
-            </a:extLst>
-          </p:cNvPr>
-          <p:cNvPicPr>
-            <a:picLocks noChangeAspect="1"/>
-          </p:cNvPicPr>
-          <p:nvPr/>
-        </p:nvPicPr>
-        <p:blipFill>
-          <a:blip r:embed="rId5">
-            <a:extLst>
-              <a:ext uri="{28A0092B-C50C-407E-A947-70E740481C1C}">
-                <a14:useLocalDpi xmlns:a14="http://schemas.microsoft.com/office/drawing/2010/main" val="0"/>
-              </a:ext>
-            </a:extLst>
-          </a:blip>
-          <a:stretch>
-            <a:fillRect/>
-          </a:stretch>
-        </p:blipFill>
-        <p:spPr>
-          <a:xfrm>
-            <a:off x="7245517" y="819733"/>
-            <a:ext cx="270524" cy="155757"/>
-          </a:xfrm>
-          <a:prstGeom prst="rect">
-            <a:avLst/>
-          </a:prstGeom>
-        </p:spPr>
-      </p:pic>
-      <p:sp>
-        <p:nvSpPr>
-          <p:cNvPr id="24" name="TextBox 23">
-            <a:extLst>
-              <a:ext uri="{FF2B5EF4-FFF2-40B4-BE49-F238E27FC236}">
-                <a16:creationId xmlns:a16="http://schemas.microsoft.com/office/drawing/2014/main" id="{7B37172F-0639-4FEB-9968-34C929BE82FA}"/>
-              </a:ext>
-            </a:extLst>
-          </p:cNvPr>
-          <p:cNvSpPr txBox="1"/>
-          <p:nvPr/>
-        </p:nvSpPr>
-        <p:spPr>
-          <a:xfrm>
-            <a:off x="4102541" y="975490"/>
-            <a:ext cx="1505512" cy="369332"/>
-          </a:xfrm>
-          <a:prstGeom prst="rect">
-            <a:avLst/>
-          </a:prstGeom>
-          <a:noFill/>
-        </p:spPr>
-        <p:txBody>
-          <a:bodyPr wrap="square">
-            <a:spAutoFit/>
-          </a:bodyPr>
-          <a:lstStyle/>
-          <a:p>
-            <a:r>
-              <a:rPr lang="en-US" dirty="0"/>
-              <a:t>I love you </a:t>
-            </a:r>
-          </a:p>
-        </p:txBody>
-      </p:sp>
-      <p:sp>
-        <p:nvSpPr>
-          <p:cNvPr id="25" name="TextBox 24">
-            <a:extLst>
-              <a:ext uri="{FF2B5EF4-FFF2-40B4-BE49-F238E27FC236}">
-                <a16:creationId xmlns:a16="http://schemas.microsoft.com/office/drawing/2014/main" id="{70E68949-EC4D-4890-86AC-75AFAF147A15}"/>
-              </a:ext>
-            </a:extLst>
-          </p:cNvPr>
-          <p:cNvSpPr txBox="1"/>
-          <p:nvPr/>
-        </p:nvSpPr>
-        <p:spPr>
-          <a:xfrm>
-            <a:off x="7196506" y="938935"/>
-            <a:ext cx="1976413" cy="369332"/>
-          </a:xfrm>
-          <a:prstGeom prst="rect">
-            <a:avLst/>
-          </a:prstGeom>
-          <a:noFill/>
-        </p:spPr>
-        <p:txBody>
-          <a:bodyPr wrap="square">
-            <a:spAutoFit/>
-          </a:bodyPr>
-          <a:lstStyle/>
-          <a:p>
-            <a:r>
-              <a:rPr lang="en-US" dirty="0"/>
-              <a:t>I hate you </a:t>
-            </a:r>
-          </a:p>
-        </p:txBody>
-      </p:sp>
-      <p:sp>
-        <p:nvSpPr>
-          <p:cNvPr id="26" name="TextBox 25">
-            <a:extLst>
-              <a:ext uri="{FF2B5EF4-FFF2-40B4-BE49-F238E27FC236}">
-                <a16:creationId xmlns:a16="http://schemas.microsoft.com/office/drawing/2014/main" id="{6130095A-EF97-4707-B60F-01B8505EB990}"/>
-              </a:ext>
-            </a:extLst>
-          </p:cNvPr>
-          <p:cNvSpPr txBox="1"/>
-          <p:nvPr/>
-        </p:nvSpPr>
-        <p:spPr>
-          <a:xfrm>
-            <a:off x="2925696" y="1142471"/>
-            <a:ext cx="591626" cy="369332"/>
-          </a:xfrm>
-          <a:prstGeom prst="rect">
-            <a:avLst/>
-          </a:prstGeom>
-          <a:noFill/>
-        </p:spPr>
-        <p:txBody>
-          <a:bodyPr wrap="square" rtlCol="0">
-            <a:spAutoFit/>
-          </a:bodyPr>
-          <a:lstStyle/>
-          <a:p>
-            <a:r>
-              <a:rPr lang="en-US" dirty="0"/>
-              <a:t>Me </a:t>
-            </a:r>
-          </a:p>
-        </p:txBody>
-      </p:sp>
-      <p:sp>
-        <p:nvSpPr>
-          <p:cNvPr id="27" name="TextBox 26">
-            <a:extLst>
-              <a:ext uri="{FF2B5EF4-FFF2-40B4-BE49-F238E27FC236}">
-                <a16:creationId xmlns:a16="http://schemas.microsoft.com/office/drawing/2014/main" id="{F942A97E-DE07-49C7-9C3F-E0F363404869}"/>
-              </a:ext>
-            </a:extLst>
-          </p:cNvPr>
-          <p:cNvSpPr txBox="1"/>
-          <p:nvPr/>
-        </p:nvSpPr>
-        <p:spPr>
-          <a:xfrm>
-            <a:off x="5525458" y="1116048"/>
-            <a:ext cx="1088522" cy="369332"/>
-          </a:xfrm>
-          <a:prstGeom prst="rect">
-            <a:avLst/>
-          </a:prstGeom>
-          <a:noFill/>
-        </p:spPr>
-        <p:txBody>
-          <a:bodyPr wrap="square" rtlCol="0">
-            <a:spAutoFit/>
-          </a:bodyPr>
-          <a:lstStyle/>
-          <a:p>
-            <a:r>
-              <a:rPr lang="en-US" dirty="0"/>
-              <a:t>Postman </a:t>
-            </a:r>
-          </a:p>
-        </p:txBody>
-      </p:sp>
-      <p:sp>
-        <p:nvSpPr>
-          <p:cNvPr id="28" name="TextBox 27">
-            <a:extLst>
-              <a:ext uri="{FF2B5EF4-FFF2-40B4-BE49-F238E27FC236}">
-                <a16:creationId xmlns:a16="http://schemas.microsoft.com/office/drawing/2014/main" id="{8C52745A-BD9D-427E-9339-12856F1D79AD}"/>
-              </a:ext>
-            </a:extLst>
-          </p:cNvPr>
-          <p:cNvSpPr txBox="1"/>
-          <p:nvPr/>
-        </p:nvSpPr>
-        <p:spPr>
-          <a:xfrm>
-            <a:off x="8439719" y="1162214"/>
-            <a:ext cx="839657" cy="646331"/>
-          </a:xfrm>
-          <a:prstGeom prst="rect">
-            <a:avLst/>
-          </a:prstGeom>
-          <a:noFill/>
-        </p:spPr>
-        <p:txBody>
-          <a:bodyPr wrap="square" rtlCol="0">
-            <a:spAutoFit/>
-          </a:bodyPr>
-          <a:lstStyle/>
-          <a:p>
-            <a:r>
-              <a:rPr lang="en-US" dirty="0"/>
-              <a:t>Crush</a:t>
-            </a:r>
-          </a:p>
-          <a:p>
-            <a:r>
-              <a:rPr lang="en-US" dirty="0"/>
-              <a:t> </a:t>
-            </a:r>
-          </a:p>
-        </p:txBody>
-      </p:sp>
-      <p:cxnSp>
-        <p:nvCxnSpPr>
-          <p:cNvPr id="31" name="Straight Arrow Connector 30">
-            <a:extLst>
-              <a:ext uri="{FF2B5EF4-FFF2-40B4-BE49-F238E27FC236}">
-                <a16:creationId xmlns:a16="http://schemas.microsoft.com/office/drawing/2014/main" id="{AE546A61-9109-45CD-A271-C9EECA34B841}"/>
-              </a:ext>
-            </a:extLst>
-          </p:cNvPr>
-          <p:cNvCxnSpPr>
-            <a:cxnSpLocks/>
-          </p:cNvCxnSpPr>
-          <p:nvPr/>
-        </p:nvCxnSpPr>
-        <p:spPr>
-          <a:xfrm flipV="1">
-            <a:off x="3778230" y="718731"/>
-            <a:ext cx="879938" cy="1"/>
-          </a:xfrm>
-          <a:prstGeom prst="straightConnector1">
-            <a:avLst/>
-          </a:prstGeom>
-          <a:ln>
-            <a:tailEnd type="triangle"/>
-          </a:ln>
-        </p:spPr>
-        <p:style>
-          <a:lnRef idx="1">
-            <a:schemeClr val="accent1"/>
-          </a:lnRef>
-          <a:fillRef idx="0">
-            <a:schemeClr val="accent1"/>
-          </a:fillRef>
-          <a:effectRef idx="0">
-            <a:schemeClr val="accent1"/>
-          </a:effectRef>
-          <a:fontRef idx="minor">
-            <a:schemeClr val="tx1"/>
-          </a:fontRef>
-        </p:style>
-      </p:cxnSp>
-      <p:pic>
-        <p:nvPicPr>
-          <p:cNvPr id="34" name="Picture 33" descr="Text&#10;&#10;Description automatically generated">
-            <a:extLst>
-              <a:ext uri="{FF2B5EF4-FFF2-40B4-BE49-F238E27FC236}">
-                <a16:creationId xmlns:a16="http://schemas.microsoft.com/office/drawing/2014/main" id="{22F96B08-FD4A-4574-9842-E37C11C96AB8}"/>
-              </a:ext>
-            </a:extLst>
-          </p:cNvPr>
-          <p:cNvPicPr>
-            <a:picLocks noChangeAspect="1"/>
-          </p:cNvPicPr>
-          <p:nvPr/>
-        </p:nvPicPr>
-        <p:blipFill>
-          <a:blip r:embed="rId6">
-            <a:extLst>
-              <a:ext uri="{28A0092B-C50C-407E-A947-70E740481C1C}">
-                <a14:useLocalDpi xmlns:a14="http://schemas.microsoft.com/office/drawing/2010/main" val="0"/>
-              </a:ext>
-            </a:extLst>
-          </a:blip>
-          <a:stretch>
-            <a:fillRect/>
-          </a:stretch>
-        </p:blipFill>
-        <p:spPr>
-          <a:xfrm>
-            <a:off x="4855297" y="2378628"/>
-            <a:ext cx="2634030" cy="1328923"/>
-          </a:xfrm>
-          <a:prstGeom prst="rect">
-            <a:avLst/>
-          </a:prstGeom>
-        </p:spPr>
-      </p:pic>
-      <p:pic>
-        <p:nvPicPr>
-          <p:cNvPr id="36" name="Picture 35" descr="A picture containing icon&#10;&#10;Description automatically generated">
-            <a:extLst>
-              <a:ext uri="{FF2B5EF4-FFF2-40B4-BE49-F238E27FC236}">
-                <a16:creationId xmlns:a16="http://schemas.microsoft.com/office/drawing/2014/main" id="{DC1D32F3-32E3-4F4B-BC2B-A340BBD9053C}"/>
-              </a:ext>
-            </a:extLst>
-          </p:cNvPr>
-          <p:cNvPicPr>
-            <a:picLocks noChangeAspect="1"/>
-          </p:cNvPicPr>
-          <p:nvPr/>
-        </p:nvPicPr>
-        <p:blipFill>
-          <a:blip r:embed="rId7">
-            <a:extLst>
-              <a:ext uri="{28A0092B-C50C-407E-A947-70E740481C1C}">
-                <a14:useLocalDpi xmlns:a14="http://schemas.microsoft.com/office/drawing/2010/main" val="0"/>
-              </a:ext>
-            </a:extLst>
-          </a:blip>
-          <a:stretch>
-            <a:fillRect/>
-          </a:stretch>
-        </p:blipFill>
-        <p:spPr>
-          <a:xfrm>
-            <a:off x="8737196" y="2179570"/>
-            <a:ext cx="1612864" cy="1612864"/>
-          </a:xfrm>
-          <a:prstGeom prst="rect">
-            <a:avLst/>
-          </a:prstGeom>
-        </p:spPr>
-      </p:pic>
-      <p:pic>
-        <p:nvPicPr>
-          <p:cNvPr id="38" name="Picture 37" descr="Icon&#10;&#10;Description automatically generated">
-            <a:extLst>
-              <a:ext uri="{FF2B5EF4-FFF2-40B4-BE49-F238E27FC236}">
-                <a16:creationId xmlns:a16="http://schemas.microsoft.com/office/drawing/2014/main" id="{500994AD-E3E8-4E67-B229-2A775CE704D7}"/>
-              </a:ext>
-            </a:extLst>
-          </p:cNvPr>
-          <p:cNvPicPr>
-            <a:picLocks noChangeAspect="1"/>
-          </p:cNvPicPr>
-          <p:nvPr/>
-        </p:nvPicPr>
-        <p:blipFill>
-          <a:blip r:embed="rId8">
-            <a:extLst>
-              <a:ext uri="{28A0092B-C50C-407E-A947-70E740481C1C}">
-                <a14:useLocalDpi xmlns:a14="http://schemas.microsoft.com/office/drawing/2010/main" val="0"/>
-              </a:ext>
-            </a:extLst>
-          </a:blip>
-          <a:stretch>
-            <a:fillRect/>
-          </a:stretch>
-        </p:blipFill>
-        <p:spPr>
-          <a:xfrm>
-            <a:off x="2243964" y="2344087"/>
-            <a:ext cx="1363464" cy="1363464"/>
-          </a:xfrm>
-          <a:prstGeom prst="rect">
-            <a:avLst/>
-          </a:prstGeom>
-        </p:spPr>
-      </p:pic>
-      <p:sp>
-        <p:nvSpPr>
-          <p:cNvPr id="39" name="TextBox 38">
-            <a:extLst>
-              <a:ext uri="{FF2B5EF4-FFF2-40B4-BE49-F238E27FC236}">
-                <a16:creationId xmlns:a16="http://schemas.microsoft.com/office/drawing/2014/main" id="{3BE6C584-2807-4075-8513-4B2A9BB27D2B}"/>
-              </a:ext>
-            </a:extLst>
-          </p:cNvPr>
-          <p:cNvSpPr txBox="1"/>
-          <p:nvPr/>
-        </p:nvSpPr>
-        <p:spPr>
-          <a:xfrm>
-            <a:off x="2377791" y="3707551"/>
-            <a:ext cx="1363464" cy="646331"/>
-          </a:xfrm>
-          <a:prstGeom prst="rect">
-            <a:avLst/>
-          </a:prstGeom>
-          <a:noFill/>
-        </p:spPr>
-        <p:txBody>
-          <a:bodyPr wrap="square" rtlCol="0">
-            <a:spAutoFit/>
-          </a:bodyPr>
-          <a:lstStyle/>
-          <a:p>
-            <a:r>
-              <a:rPr lang="en-US" dirty="0"/>
-              <a:t>Google Chrome </a:t>
-            </a:r>
-          </a:p>
-        </p:txBody>
-      </p:sp>
-      <p:sp>
-        <p:nvSpPr>
-          <p:cNvPr id="40" name="TextBox 39">
-            <a:extLst>
-              <a:ext uri="{FF2B5EF4-FFF2-40B4-BE49-F238E27FC236}">
-                <a16:creationId xmlns:a16="http://schemas.microsoft.com/office/drawing/2014/main" id="{F39557C6-F2F5-46CB-9331-802F7F9170AD}"/>
-              </a:ext>
-            </a:extLst>
-          </p:cNvPr>
-          <p:cNvSpPr txBox="1"/>
-          <p:nvPr/>
-        </p:nvSpPr>
-        <p:spPr>
-          <a:xfrm>
-            <a:off x="8914809" y="3847251"/>
-            <a:ext cx="1363464" cy="369332"/>
-          </a:xfrm>
-          <a:prstGeom prst="rect">
-            <a:avLst/>
-          </a:prstGeom>
-          <a:noFill/>
-        </p:spPr>
-        <p:txBody>
-          <a:bodyPr wrap="square" rtlCol="0">
-            <a:spAutoFit/>
-          </a:bodyPr>
-          <a:lstStyle/>
-          <a:p>
-            <a:r>
-              <a:rPr lang="en-US" dirty="0"/>
-              <a:t>Web Server</a:t>
-            </a:r>
-          </a:p>
-        </p:txBody>
-      </p:sp>
-      <p:sp>
-        <p:nvSpPr>
-          <p:cNvPr id="41" name="TextBox 40">
-            <a:extLst>
-              <a:ext uri="{FF2B5EF4-FFF2-40B4-BE49-F238E27FC236}">
-                <a16:creationId xmlns:a16="http://schemas.microsoft.com/office/drawing/2014/main" id="{5FAC3F42-7546-40F7-8FBF-4EBE934E19E0}"/>
-              </a:ext>
-            </a:extLst>
-          </p:cNvPr>
-          <p:cNvSpPr txBox="1"/>
-          <p:nvPr/>
-        </p:nvSpPr>
-        <p:spPr>
-          <a:xfrm>
-            <a:off x="5185635" y="3801084"/>
-            <a:ext cx="1820730" cy="369332"/>
-          </a:xfrm>
-          <a:prstGeom prst="rect">
-            <a:avLst/>
-          </a:prstGeom>
-          <a:noFill/>
-        </p:spPr>
-        <p:txBody>
-          <a:bodyPr wrap="square" rtlCol="0">
-            <a:spAutoFit/>
-          </a:bodyPr>
-          <a:lstStyle/>
-          <a:p>
-            <a:r>
-              <a:rPr lang="en-US" dirty="0"/>
-              <a:t>Proxy/ Burp Suite</a:t>
-            </a:r>
-          </a:p>
-        </p:txBody>
-      </p:sp>
-      <p:cxnSp>
-        <p:nvCxnSpPr>
-          <p:cNvPr id="42" name="Straight Arrow Connector 41">
-            <a:extLst>
-              <a:ext uri="{FF2B5EF4-FFF2-40B4-BE49-F238E27FC236}">
-                <a16:creationId xmlns:a16="http://schemas.microsoft.com/office/drawing/2014/main" id="{F7352513-29B6-424F-94ED-583B50CCD486}"/>
-              </a:ext>
-            </a:extLst>
-          </p:cNvPr>
-          <p:cNvCxnSpPr>
-            <a:cxnSpLocks/>
-          </p:cNvCxnSpPr>
-          <p:nvPr/>
-        </p:nvCxnSpPr>
-        <p:spPr>
-          <a:xfrm flipV="1">
-            <a:off x="3739661" y="3036759"/>
-            <a:ext cx="879938" cy="1"/>
-          </a:xfrm>
-          <a:prstGeom prst="straightConnector1">
-            <a:avLst/>
-          </a:prstGeom>
-          <a:ln>
-            <a:tailEnd type="triangle"/>
-          </a:ln>
-        </p:spPr>
-        <p:style>
-          <a:lnRef idx="1">
-            <a:schemeClr val="accent1"/>
-          </a:lnRef>
-          <a:fillRef idx="0">
-            <a:schemeClr val="accent1"/>
-          </a:fillRef>
-          <a:effectRef idx="0">
-            <a:schemeClr val="accent1"/>
-          </a:effectRef>
-          <a:fontRef idx="minor">
-            <a:schemeClr val="tx1"/>
-          </a:fontRef>
-        </p:style>
-      </p:cxnSp>
-      <p:cxnSp>
-        <p:nvCxnSpPr>
-          <p:cNvPr id="43" name="Straight Arrow Connector 42">
-            <a:extLst>
-              <a:ext uri="{FF2B5EF4-FFF2-40B4-BE49-F238E27FC236}">
-                <a16:creationId xmlns:a16="http://schemas.microsoft.com/office/drawing/2014/main" id="{E8D87454-2B5D-406B-8090-53E786C44CEE}"/>
-              </a:ext>
-            </a:extLst>
-          </p:cNvPr>
-          <p:cNvCxnSpPr>
-            <a:cxnSpLocks/>
-          </p:cNvCxnSpPr>
-          <p:nvPr/>
-        </p:nvCxnSpPr>
-        <p:spPr>
-          <a:xfrm flipV="1">
-            <a:off x="7831312" y="3036759"/>
-            <a:ext cx="879938" cy="1"/>
-          </a:xfrm>
-          <a:prstGeom prst="straightConnector1">
-            <a:avLst/>
-          </a:prstGeom>
-          <a:ln>
-            <a:tailEnd type="triangle"/>
-          </a:ln>
-        </p:spPr>
-        <p:style>
-          <a:lnRef idx="1">
-            <a:schemeClr val="accent1"/>
-          </a:lnRef>
-          <a:fillRef idx="0">
-            <a:schemeClr val="accent1"/>
-          </a:fillRef>
-          <a:effectRef idx="0">
-            <a:schemeClr val="accent1"/>
-          </a:effectRef>
-          <a:fontRef idx="minor">
-            <a:schemeClr val="tx1"/>
-          </a:fontRef>
-        </p:style>
-      </p:cxnSp>
-      <p:pic>
-        <p:nvPicPr>
-          <p:cNvPr id="45" name="Picture 44" descr="Shape&#10;&#10;Description automatically generated">
-            <a:extLst>
-              <a:ext uri="{FF2B5EF4-FFF2-40B4-BE49-F238E27FC236}">
-                <a16:creationId xmlns:a16="http://schemas.microsoft.com/office/drawing/2014/main" id="{574A654D-7C9A-4294-85DF-22390ACB31C0}"/>
-              </a:ext>
-            </a:extLst>
-          </p:cNvPr>
-          <p:cNvPicPr>
-            <a:picLocks noChangeAspect="1"/>
-          </p:cNvPicPr>
-          <p:nvPr/>
-        </p:nvPicPr>
-        <p:blipFill>
-          <a:blip r:embed="rId5">
-            <a:extLst>
-              <a:ext uri="{28A0092B-C50C-407E-A947-70E740481C1C}">
-                <a14:useLocalDpi xmlns:a14="http://schemas.microsoft.com/office/drawing/2010/main" val="0"/>
-              </a:ext>
-            </a:extLst>
-          </a:blip>
-          <a:stretch>
-            <a:fillRect/>
-          </a:stretch>
-        </p:blipFill>
-        <p:spPr>
-          <a:xfrm>
-            <a:off x="4097351" y="3113988"/>
-            <a:ext cx="270524" cy="155757"/>
-          </a:xfrm>
-          <a:prstGeom prst="rect">
-            <a:avLst/>
-          </a:prstGeom>
-        </p:spPr>
-      </p:pic>
-      <p:pic>
-        <p:nvPicPr>
-          <p:cNvPr id="46" name="Picture 45" descr="Shape&#10;&#10;Description automatically generated">
-            <a:extLst>
-              <a:ext uri="{FF2B5EF4-FFF2-40B4-BE49-F238E27FC236}">
-                <a16:creationId xmlns:a16="http://schemas.microsoft.com/office/drawing/2014/main" id="{C1736F73-00EE-4B32-9329-7DD6ED99B6B9}"/>
-              </a:ext>
-            </a:extLst>
-          </p:cNvPr>
-          <p:cNvPicPr>
-            <a:picLocks noChangeAspect="1"/>
-          </p:cNvPicPr>
-          <p:nvPr/>
-        </p:nvPicPr>
-        <p:blipFill>
-          <a:blip r:embed="rId5">
-            <a:extLst>
-              <a:ext uri="{28A0092B-C50C-407E-A947-70E740481C1C}">
-                <a14:useLocalDpi xmlns:a14="http://schemas.microsoft.com/office/drawing/2010/main" val="0"/>
-              </a:ext>
-            </a:extLst>
-          </a:blip>
-          <a:stretch>
-            <a:fillRect/>
-          </a:stretch>
-        </p:blipFill>
-        <p:spPr>
-          <a:xfrm>
-            <a:off x="8265446" y="3113987"/>
-            <a:ext cx="270524" cy="155757"/>
-          </a:xfrm>
-          <a:prstGeom prst="rect">
-            <a:avLst/>
-          </a:prstGeom>
-        </p:spPr>
-      </p:pic>
-      <p:sp>
-        <p:nvSpPr>
-          <p:cNvPr id="47" name="TextBox 46">
-            <a:extLst>
-              <a:ext uri="{FF2B5EF4-FFF2-40B4-BE49-F238E27FC236}">
-                <a16:creationId xmlns:a16="http://schemas.microsoft.com/office/drawing/2014/main" id="{9790B25C-1B51-4E63-9384-886C233CA015}"/>
-              </a:ext>
-            </a:extLst>
-          </p:cNvPr>
-          <p:cNvSpPr txBox="1"/>
-          <p:nvPr/>
-        </p:nvSpPr>
-        <p:spPr>
-          <a:xfrm>
-            <a:off x="3571189" y="3245886"/>
-            <a:ext cx="1463786" cy="923330"/>
-          </a:xfrm>
-          <a:prstGeom prst="rect">
-            <a:avLst/>
-          </a:prstGeom>
-          <a:noFill/>
-        </p:spPr>
-        <p:txBody>
-          <a:bodyPr wrap="square">
-            <a:spAutoFit/>
-          </a:bodyPr>
-          <a:lstStyle/>
-          <a:p>
-            <a:r>
-              <a:rPr lang="en-US" dirty="0"/>
-              <a:t>Submit form</a:t>
-            </a:r>
-          </a:p>
-          <a:p>
-            <a:r>
-              <a:rPr lang="en-US" dirty="0"/>
-              <a:t>Token A</a:t>
-            </a:r>
-          </a:p>
-          <a:p>
-            <a:endParaRPr lang="en-US" dirty="0"/>
-          </a:p>
-        </p:txBody>
-      </p:sp>
-      <p:sp>
-        <p:nvSpPr>
-          <p:cNvPr id="49" name="TextBox 48">
-            <a:extLst>
-              <a:ext uri="{FF2B5EF4-FFF2-40B4-BE49-F238E27FC236}">
-                <a16:creationId xmlns:a16="http://schemas.microsoft.com/office/drawing/2014/main" id="{D2A4605B-CEAB-45F8-93D5-4D0DE02CD2F3}"/>
-              </a:ext>
-            </a:extLst>
-          </p:cNvPr>
-          <p:cNvSpPr txBox="1"/>
-          <p:nvPr/>
-        </p:nvSpPr>
-        <p:spPr>
-          <a:xfrm>
-            <a:off x="7725026" y="3278127"/>
-            <a:ext cx="1435604" cy="646331"/>
-          </a:xfrm>
-          <a:prstGeom prst="rect">
-            <a:avLst/>
-          </a:prstGeom>
-          <a:noFill/>
-        </p:spPr>
-        <p:txBody>
-          <a:bodyPr wrap="square">
-            <a:spAutoFit/>
-          </a:bodyPr>
-          <a:lstStyle/>
-          <a:p>
-            <a:r>
-              <a:rPr lang="en-US" dirty="0"/>
-              <a:t>Submit form</a:t>
-            </a:r>
-          </a:p>
-          <a:p>
-            <a:r>
-              <a:rPr lang="en-US" dirty="0"/>
-              <a:t>Token B</a:t>
-            </a:r>
-          </a:p>
-        </p:txBody>
-      </p:sp>
-      <p:sp>
-        <p:nvSpPr>
-          <p:cNvPr id="29" name="TextBox 28">
-            <a:extLst>
-              <a:ext uri="{FF2B5EF4-FFF2-40B4-BE49-F238E27FC236}">
-                <a16:creationId xmlns:a16="http://schemas.microsoft.com/office/drawing/2014/main" id="{29D3C46D-6F7A-4A6F-8CEB-A2D88E7BC615}"/>
-              </a:ext>
-            </a:extLst>
-          </p:cNvPr>
-          <p:cNvSpPr txBox="1"/>
-          <p:nvPr/>
-        </p:nvSpPr>
-        <p:spPr>
-          <a:xfrm>
-            <a:off x="600075" y="504825"/>
-            <a:ext cx="1178528" cy="369332"/>
-          </a:xfrm>
-          <a:prstGeom prst="rect">
-            <a:avLst/>
-          </a:prstGeom>
-          <a:noFill/>
-        </p:spPr>
-        <p:txBody>
-          <a:bodyPr wrap="none" rtlCol="0">
-            <a:spAutoFit/>
-          </a:bodyPr>
-          <a:lstStyle/>
-          <a:p>
-            <a:r>
-              <a:rPr lang="en-US" dirty="0"/>
-              <a:t>Scenario B</a:t>
-            </a:r>
-          </a:p>
-        </p:txBody>
-      </p:sp>
-      <p:pic>
-        <p:nvPicPr>
-          <p:cNvPr id="3" name="Picture 2">
-            <a:extLst>
-              <a:ext uri="{FF2B5EF4-FFF2-40B4-BE49-F238E27FC236}">
-                <a16:creationId xmlns:a16="http://schemas.microsoft.com/office/drawing/2014/main" id="{AEF05EE6-78AF-416D-9712-46DC46B6E5ED}"/>
-              </a:ext>
-            </a:extLst>
-          </p:cNvPr>
-          <p:cNvPicPr>
-            <a:picLocks noChangeAspect="1"/>
-          </p:cNvPicPr>
-          <p:nvPr/>
-        </p:nvPicPr>
-        <p:blipFill>
-          <a:blip r:embed="rId9"/>
-          <a:stretch>
-            <a:fillRect/>
-          </a:stretch>
-        </p:blipFill>
-        <p:spPr>
-          <a:xfrm>
-            <a:off x="4179630" y="4368301"/>
-            <a:ext cx="4461378" cy="2387323"/>
-          </a:xfrm>
-          <a:prstGeom prst="rect">
-            <a:avLst/>
-          </a:prstGeom>
-        </p:spPr>
-      </p:pic>
-    </p:spTree>
-    <p:extLst>
-      <p:ext uri="{BB962C8B-B14F-4D97-AF65-F5344CB8AC3E}">
-        <p14:creationId xmlns:p14="http://schemas.microsoft.com/office/powerpoint/2010/main" val="730267904"/>
       </p:ext>
     </p:extLst>
   </p:cSld>
